--- a/moonbase_presentation.pptx
+++ b/moonbase_presentation.pptx
@@ -5,10 +5,10 @@
     <p:sldMasterId id="2147483648" r:id="rId1"/>
   </p:sldMasterIdLst>
   <p:notesMasterIdLst>
-    <p:notesMasterId r:id="rId17"/>
+    <p:notesMasterId r:id="rId20"/>
   </p:notesMasterIdLst>
   <p:handoutMasterIdLst>
-    <p:handoutMasterId r:id="rId18"/>
+    <p:handoutMasterId r:id="rId21"/>
   </p:handoutMasterIdLst>
   <p:sldIdLst>
     <p:sldId id="383" r:id="rId2"/>
@@ -25,7 +25,10 @@
     <p:sldId id="392" r:id="rId13"/>
     <p:sldId id="331" r:id="rId14"/>
     <p:sldId id="341" r:id="rId15"/>
-    <p:sldId id="393" r:id="rId16"/>
+    <p:sldId id="394" r:id="rId16"/>
+    <p:sldId id="395" r:id="rId17"/>
+    <p:sldId id="396" r:id="rId18"/>
+    <p:sldId id="393" r:id="rId19"/>
   </p:sldIdLst>
   <p:sldSz cx="12192000" cy="6858000"/>
   <p:notesSz cx="9388475" cy="7102475"/>
@@ -147,6 +150,9 @@
             <p14:sldId id="392"/>
             <p14:sldId id="331"/>
             <p14:sldId id="341"/>
+            <p14:sldId id="394"/>
+            <p14:sldId id="395"/>
+            <p14:sldId id="396"/>
             <p14:sldId id="393"/>
           </p14:sldIdLst>
         </p14:section>
@@ -1179,7 +1185,7 @@
                 <a:tabLst/>
                 <a:defRPr/>
               </a:pPr>
-              <a:t>11/23/2017 12:58 AM</a:t>
+              <a:t>11/23/2017 2:08 AM</a:t>
             </a:fld>
             <a:endParaRPr kumimoji="0" lang="en-US" sz="1800" b="0" i="0" u="none" strike="noStrike" kern="0" cap="none" spc="0" normalizeH="0" baseline="0" noProof="0" dirty="0">
               <a:ln>
@@ -1379,7 +1385,7 @@
           <a:p>
             <a:fld id="{4CBCEA92-F142-4D57-B507-37BDAF44710C}" type="slidenum">
               <a:rPr lang="en-US" smtClean="0"/>
-              <a:t>15</a:t>
+              <a:t>18</a:t>
             </a:fld>
             <a:endParaRPr lang="en-US"/>
           </a:p>
@@ -22692,8 +22698,8 @@
         </p:blipFill>
         <p:spPr>
           <a:xfrm>
-            <a:off x="-1" y="0"/>
-            <a:ext cx="6094444" cy="6856100"/>
+            <a:off x="531844" y="541175"/>
+            <a:ext cx="5140628" cy="5783080"/>
           </a:xfrm>
         </p:spPr>
       </p:pic>
@@ -22932,6 +22938,988 @@
 <file path=ppt/slides/slide15.xml><?xml version="1.0" encoding="utf-8"?>
 <p:sld xmlns:a="http://schemas.openxmlformats.org/drawingml/2006/main" xmlns:r="http://schemas.openxmlformats.org/officeDocument/2006/relationships" xmlns:p="http://schemas.openxmlformats.org/presentationml/2006/main">
   <p:cSld>
+    <p:bg>
+      <p:bgPr>
+        <a:solidFill>
+          <a:schemeClr val="tx1"/>
+        </a:solidFill>
+        <a:effectLst/>
+      </p:bgPr>
+    </p:bg>
+    <p:spTree>
+      <p:nvGrpSpPr>
+        <p:cNvPr id="1" name=""/>
+        <p:cNvGrpSpPr/>
+        <p:nvPr/>
+      </p:nvGrpSpPr>
+      <p:grpSpPr>
+        <a:xfrm>
+          <a:off x="0" y="0"/>
+          <a:ext cx="0" cy="0"/>
+          <a:chOff x="0" y="0"/>
+          <a:chExt cx="0" cy="0"/>
+        </a:xfrm>
+      </p:grpSpPr>
+      <p:sp>
+        <p:nvSpPr>
+          <p:cNvPr id="9" name="Title 8"/>
+          <p:cNvSpPr>
+            <a:spLocks noGrp="1"/>
+          </p:cNvSpPr>
+          <p:nvPr>
+            <p:ph type="title"/>
+          </p:nvPr>
+        </p:nvSpPr>
+        <p:spPr>
+          <a:xfrm>
+            <a:off x="302995" y="3361765"/>
+            <a:ext cx="11660405" cy="625641"/>
+          </a:xfrm>
+        </p:spPr>
+        <p:txBody>
+          <a:bodyPr/>
+          <a:lstStyle/>
+          <a:p>
+            <a:r>
+              <a:rPr lang="en-US" dirty="0"/>
+              <a:t>Project Design and Teamwork</a:t>
+            </a:r>
+          </a:p>
+        </p:txBody>
+      </p:sp>
+      <p:sp>
+        <p:nvSpPr>
+          <p:cNvPr id="10" name="Text Placeholder 9"/>
+          <p:cNvSpPr>
+            <a:spLocks noGrp="1"/>
+          </p:cNvSpPr>
+          <p:nvPr>
+            <p:ph type="body" sz="quarter" idx="10"/>
+          </p:nvPr>
+        </p:nvSpPr>
+        <p:spPr>
+          <a:xfrm>
+            <a:off x="3923323" y="186061"/>
+            <a:ext cx="4376615" cy="627351"/>
+          </a:xfrm>
+        </p:spPr>
+        <p:txBody>
+          <a:bodyPr/>
+          <a:lstStyle/>
+          <a:p>
+            <a:r>
+              <a:rPr lang="en-US" dirty="0"/>
+              <a:t>Section Six </a:t>
+            </a:r>
+          </a:p>
+          <a:p>
+            <a:pPr lvl="1"/>
+            <a:r>
+              <a:rPr lang="en-US" dirty="0"/>
+              <a:t>what went well? what didn’t?</a:t>
+            </a:r>
+          </a:p>
+        </p:txBody>
+      </p:sp>
+      <p:sp>
+        <p:nvSpPr>
+          <p:cNvPr id="12" name="Text Placeholder 11"/>
+          <p:cNvSpPr>
+            <a:spLocks noGrp="1"/>
+          </p:cNvSpPr>
+          <p:nvPr>
+            <p:ph type="body" sz="quarter" idx="12"/>
+          </p:nvPr>
+        </p:nvSpPr>
+        <p:spPr/>
+        <p:txBody>
+          <a:bodyPr/>
+          <a:lstStyle/>
+          <a:p>
+            <a:r>
+              <a:rPr lang="en-US" dirty="0"/>
+              <a:t>!</a:t>
+            </a:r>
+          </a:p>
+        </p:txBody>
+      </p:sp>
+    </p:spTree>
+    <p:extLst>
+      <p:ext uri="{BB962C8B-B14F-4D97-AF65-F5344CB8AC3E}">
+        <p14:creationId xmlns:p14="http://schemas.microsoft.com/office/powerpoint/2010/main" val="4283503321"/>
+      </p:ext>
+    </p:extLst>
+  </p:cSld>
+  <p:clrMapOvr>
+    <a:masterClrMapping/>
+  </p:clrMapOvr>
+  <p:transition spd="slow">
+    <p:push dir="d"/>
+  </p:transition>
+</p:sld>
+</file>
+
+<file path=ppt/slides/slide16.xml><?xml version="1.0" encoding="utf-8"?>
+<p:sld xmlns:a="http://schemas.openxmlformats.org/drawingml/2006/main" xmlns:r="http://schemas.openxmlformats.org/officeDocument/2006/relationships" xmlns:p="http://schemas.openxmlformats.org/presentationml/2006/main">
+  <p:cSld>
+    <p:spTree>
+      <p:nvGrpSpPr>
+        <p:cNvPr id="1" name=""/>
+        <p:cNvGrpSpPr/>
+        <p:nvPr/>
+      </p:nvGrpSpPr>
+      <p:grpSpPr>
+        <a:xfrm>
+          <a:off x="0" y="0"/>
+          <a:ext cx="0" cy="0"/>
+          <a:chOff x="0" y="0"/>
+          <a:chExt cx="0" cy="0"/>
+        </a:xfrm>
+      </p:grpSpPr>
+      <p:sp>
+        <p:nvSpPr>
+          <p:cNvPr id="4" name="Content Placeholder 3"/>
+          <p:cNvSpPr>
+            <a:spLocks noGrp="1"/>
+          </p:cNvSpPr>
+          <p:nvPr>
+            <p:ph idx="1"/>
+          </p:nvPr>
+        </p:nvSpPr>
+        <p:spPr>
+          <a:xfrm>
+            <a:off x="68658" y="3493674"/>
+            <a:ext cx="2377440" cy="1041311"/>
+          </a:xfrm>
+        </p:spPr>
+        <p:txBody>
+          <a:bodyPr/>
+          <a:lstStyle/>
+          <a:p>
+            <a:r>
+              <a:rPr lang="en-US" dirty="0"/>
+              <a:t>Communication</a:t>
+            </a:r>
+          </a:p>
+          <a:p>
+            <a:pPr marL="285750" indent="-285750">
+              <a:buFont typeface="Arial" panose="020B0604020202020204" pitchFamily="34" charset="0"/>
+              <a:buChar char="•"/>
+            </a:pPr>
+            <a:r>
+              <a:rPr lang="en-US" sz="1400" dirty="0"/>
+              <a:t>Responsive on chat</a:t>
+            </a:r>
+          </a:p>
+          <a:p>
+            <a:pPr marL="285750" indent="-285750">
+              <a:buFont typeface="Arial" panose="020B0604020202020204" pitchFamily="34" charset="0"/>
+              <a:buChar char="•"/>
+            </a:pPr>
+            <a:r>
+              <a:rPr lang="en-US" sz="1400" dirty="0"/>
+              <a:t>Met weekly without fail</a:t>
+            </a:r>
+          </a:p>
+        </p:txBody>
+      </p:sp>
+      <p:sp>
+        <p:nvSpPr>
+          <p:cNvPr id="3" name="Slide Number Placeholder 2"/>
+          <p:cNvSpPr>
+            <a:spLocks noGrp="1"/>
+          </p:cNvSpPr>
+          <p:nvPr>
+            <p:ph type="sldNum" sz="quarter" idx="12"/>
+          </p:nvPr>
+        </p:nvSpPr>
+        <p:spPr/>
+        <p:txBody>
+          <a:bodyPr/>
+          <a:lstStyle/>
+          <a:p>
+            <a:fld id="{5AE1514C-5E56-4738-A1FF-4B1CFD2A3E36}" type="slidenum">
+              <a:rPr lang="en-US" smtClean="0"/>
+              <a:pPr/>
+              <a:t>16</a:t>
+            </a:fld>
+            <a:endParaRPr lang="en-US"/>
+          </a:p>
+        </p:txBody>
+      </p:sp>
+      <p:sp>
+        <p:nvSpPr>
+          <p:cNvPr id="7" name="Content Placeholder 6"/>
+          <p:cNvSpPr>
+            <a:spLocks noGrp="1"/>
+          </p:cNvSpPr>
+          <p:nvPr>
+            <p:ph idx="14"/>
+          </p:nvPr>
+        </p:nvSpPr>
+        <p:spPr>
+          <a:xfrm>
+            <a:off x="2483635" y="3493674"/>
+            <a:ext cx="2377440" cy="1751249"/>
+          </a:xfrm>
+        </p:spPr>
+        <p:txBody>
+          <a:bodyPr/>
+          <a:lstStyle/>
+          <a:p>
+            <a:r>
+              <a:rPr lang="en-US" dirty="0"/>
+              <a:t>Enthusiasm</a:t>
+            </a:r>
+          </a:p>
+          <a:p>
+            <a:pPr marL="285750" indent="-285750">
+              <a:buFont typeface="Arial" panose="020B0604020202020204" pitchFamily="34" charset="0"/>
+              <a:buChar char="•"/>
+            </a:pPr>
+            <a:r>
+              <a:rPr lang="en-US" sz="1400" dirty="0"/>
+              <a:t>Excitement about project</a:t>
+            </a:r>
+          </a:p>
+          <a:p>
+            <a:pPr marL="285750" indent="-285750">
+              <a:buFont typeface="Arial" panose="020B0604020202020204" pitchFamily="34" charset="0"/>
+              <a:buChar char="•"/>
+            </a:pPr>
+            <a:r>
+              <a:rPr lang="en-US" sz="1400" dirty="0"/>
+              <a:t>Willingness to go the extra mile</a:t>
+            </a:r>
+          </a:p>
+          <a:p>
+            <a:endParaRPr lang="en-US" sz="1400" dirty="0"/>
+          </a:p>
+        </p:txBody>
+      </p:sp>
+      <p:sp>
+        <p:nvSpPr>
+          <p:cNvPr id="8" name="Content Placeholder 7"/>
+          <p:cNvSpPr>
+            <a:spLocks noGrp="1"/>
+          </p:cNvSpPr>
+          <p:nvPr>
+            <p:ph idx="15"/>
+          </p:nvPr>
+        </p:nvSpPr>
+        <p:spPr>
+          <a:xfrm>
+            <a:off x="4898612" y="3493674"/>
+            <a:ext cx="2377440" cy="1346010"/>
+          </a:xfrm>
+        </p:spPr>
+        <p:txBody>
+          <a:bodyPr/>
+          <a:lstStyle/>
+          <a:p>
+            <a:r>
+              <a:rPr lang="en-US" dirty="0"/>
+              <a:t>Group Coding Sessions</a:t>
+            </a:r>
+          </a:p>
+          <a:p>
+            <a:pPr marL="285750" indent="-285750">
+              <a:buFont typeface="Arial" panose="020B0604020202020204" pitchFamily="34" charset="0"/>
+              <a:buChar char="•"/>
+            </a:pPr>
+            <a:r>
+              <a:rPr lang="en-US" sz="1400" dirty="0"/>
+              <a:t>In person</a:t>
+            </a:r>
+          </a:p>
+          <a:p>
+            <a:pPr marL="285750" indent="-285750">
+              <a:buFont typeface="Arial" panose="020B0604020202020204" pitchFamily="34" charset="0"/>
+              <a:buChar char="•"/>
+            </a:pPr>
+            <a:r>
+              <a:rPr lang="en-US" sz="1400" dirty="0"/>
+              <a:t>Over Discord</a:t>
+            </a:r>
+          </a:p>
+        </p:txBody>
+      </p:sp>
+      <p:sp>
+        <p:nvSpPr>
+          <p:cNvPr id="9" name="Content Placeholder 8"/>
+          <p:cNvSpPr>
+            <a:spLocks noGrp="1"/>
+          </p:cNvSpPr>
+          <p:nvPr>
+            <p:ph idx="16"/>
+          </p:nvPr>
+        </p:nvSpPr>
+        <p:spPr>
+          <a:xfrm>
+            <a:off x="7313589" y="3493674"/>
+            <a:ext cx="2377440" cy="1346010"/>
+          </a:xfrm>
+        </p:spPr>
+        <p:txBody>
+          <a:bodyPr/>
+          <a:lstStyle/>
+          <a:p>
+            <a:r>
+              <a:rPr lang="en-US" dirty="0"/>
+              <a:t>Completion</a:t>
+            </a:r>
+          </a:p>
+          <a:p>
+            <a:pPr marL="285750" indent="-285750">
+              <a:buFont typeface="Arial" panose="020B0604020202020204" pitchFamily="34" charset="0"/>
+              <a:buChar char="•"/>
+            </a:pPr>
+            <a:r>
+              <a:rPr lang="en-US" sz="1400" dirty="0"/>
+              <a:t>Stuck it out and finished!</a:t>
+            </a:r>
+          </a:p>
+          <a:p>
+            <a:endParaRPr lang="en-US" dirty="0"/>
+          </a:p>
+        </p:txBody>
+      </p:sp>
+      <p:sp>
+        <p:nvSpPr>
+          <p:cNvPr id="33" name="Content Placeholder 32"/>
+          <p:cNvSpPr>
+            <a:spLocks noGrp="1"/>
+          </p:cNvSpPr>
+          <p:nvPr>
+            <p:ph idx="17"/>
+          </p:nvPr>
+        </p:nvSpPr>
+        <p:spPr>
+          <a:xfrm>
+            <a:off x="9728566" y="3493674"/>
+            <a:ext cx="2377440" cy="1217769"/>
+          </a:xfrm>
+        </p:spPr>
+        <p:txBody>
+          <a:bodyPr/>
+          <a:lstStyle/>
+          <a:p>
+            <a:r>
+              <a:rPr lang="en-US" dirty="0"/>
+              <a:t>Crisis Management</a:t>
+            </a:r>
+          </a:p>
+          <a:p>
+            <a:pPr marL="285750" indent="-285750">
+              <a:buFont typeface="Arial" panose="020B0604020202020204" pitchFamily="34" charset="0"/>
+              <a:buChar char="•"/>
+            </a:pPr>
+            <a:r>
+              <a:rPr lang="en-US" sz="1400" dirty="0"/>
+              <a:t>Things go wrong. But then you fix them.</a:t>
+            </a:r>
+          </a:p>
+        </p:txBody>
+      </p:sp>
+      <p:sp>
+        <p:nvSpPr>
+          <p:cNvPr id="5" name="Text Placeholder 4"/>
+          <p:cNvSpPr>
+            <a:spLocks noGrp="1"/>
+          </p:cNvSpPr>
+          <p:nvPr>
+            <p:ph type="body" sz="quarter" idx="13"/>
+          </p:nvPr>
+        </p:nvSpPr>
+        <p:spPr>
+          <a:xfrm>
+            <a:off x="0" y="764711"/>
+            <a:ext cx="12192000" cy="535531"/>
+          </a:xfrm>
+        </p:spPr>
+        <p:txBody>
+          <a:bodyPr/>
+          <a:lstStyle/>
+          <a:p>
+            <a:r>
+              <a:rPr lang="en-US" dirty="0"/>
+              <a:t>The Good</a:t>
+            </a:r>
+          </a:p>
+        </p:txBody>
+      </p:sp>
+      <p:sp>
+        <p:nvSpPr>
+          <p:cNvPr id="6" name="Content Placeholder 5">
+            <a:extLst>
+              <a:ext uri="{FF2B5EF4-FFF2-40B4-BE49-F238E27FC236}">
+                <a16:creationId xmlns:a16="http://schemas.microsoft.com/office/drawing/2014/main" id="{2B812EF1-FDFE-4F6F-85EA-7206C29650CD}"/>
+              </a:ext>
+            </a:extLst>
+          </p:cNvPr>
+          <p:cNvSpPr>
+            <a:spLocks noGrp="1"/>
+          </p:cNvSpPr>
+          <p:nvPr>
+            <p:ph idx="18"/>
+          </p:nvPr>
+        </p:nvSpPr>
+        <p:spPr>
+          <a:xfrm>
+            <a:off x="68658" y="2577396"/>
+            <a:ext cx="2377440" cy="840230"/>
+          </a:xfrm>
+        </p:spPr>
+        <p:txBody>
+          <a:bodyPr/>
+          <a:lstStyle/>
+          <a:p>
+            <a:endParaRPr lang="en-US" dirty="0"/>
+          </a:p>
+        </p:txBody>
+      </p:sp>
+      <p:sp>
+        <p:nvSpPr>
+          <p:cNvPr id="11" name="Content Placeholder 10">
+            <a:extLst>
+              <a:ext uri="{FF2B5EF4-FFF2-40B4-BE49-F238E27FC236}">
+                <a16:creationId xmlns:a16="http://schemas.microsoft.com/office/drawing/2014/main" id="{1EC9014B-59D7-4209-A86E-4675D0412F6A}"/>
+              </a:ext>
+            </a:extLst>
+          </p:cNvPr>
+          <p:cNvSpPr>
+            <a:spLocks noGrp="1"/>
+          </p:cNvSpPr>
+          <p:nvPr>
+            <p:ph idx="19"/>
+          </p:nvPr>
+        </p:nvSpPr>
+        <p:spPr/>
+        <p:txBody>
+          <a:bodyPr/>
+          <a:lstStyle/>
+          <a:p>
+            <a:endParaRPr lang="en-US"/>
+          </a:p>
+        </p:txBody>
+      </p:sp>
+      <p:sp>
+        <p:nvSpPr>
+          <p:cNvPr id="13" name="Content Placeholder 12">
+            <a:extLst>
+              <a:ext uri="{FF2B5EF4-FFF2-40B4-BE49-F238E27FC236}">
+                <a16:creationId xmlns:a16="http://schemas.microsoft.com/office/drawing/2014/main" id="{5C026E51-BE9E-4C87-A5CE-C02DAE37E3EF}"/>
+              </a:ext>
+            </a:extLst>
+          </p:cNvPr>
+          <p:cNvSpPr>
+            <a:spLocks noGrp="1"/>
+          </p:cNvSpPr>
+          <p:nvPr>
+            <p:ph idx="20"/>
+          </p:nvPr>
+        </p:nvSpPr>
+        <p:spPr/>
+        <p:txBody>
+          <a:bodyPr/>
+          <a:lstStyle/>
+          <a:p>
+            <a:endParaRPr lang="en-US"/>
+          </a:p>
+        </p:txBody>
+      </p:sp>
+      <p:sp>
+        <p:nvSpPr>
+          <p:cNvPr id="15" name="Content Placeholder 14">
+            <a:extLst>
+              <a:ext uri="{FF2B5EF4-FFF2-40B4-BE49-F238E27FC236}">
+                <a16:creationId xmlns:a16="http://schemas.microsoft.com/office/drawing/2014/main" id="{4A7E47F2-605F-4B9A-98F3-98E06BF8C96E}"/>
+              </a:ext>
+            </a:extLst>
+          </p:cNvPr>
+          <p:cNvSpPr>
+            <a:spLocks noGrp="1"/>
+          </p:cNvSpPr>
+          <p:nvPr>
+            <p:ph idx="21"/>
+          </p:nvPr>
+        </p:nvSpPr>
+        <p:spPr/>
+        <p:txBody>
+          <a:bodyPr/>
+          <a:lstStyle/>
+          <a:p>
+            <a:endParaRPr lang="en-US"/>
+          </a:p>
+        </p:txBody>
+      </p:sp>
+      <p:sp>
+        <p:nvSpPr>
+          <p:cNvPr id="17" name="Content Placeholder 16">
+            <a:extLst>
+              <a:ext uri="{FF2B5EF4-FFF2-40B4-BE49-F238E27FC236}">
+                <a16:creationId xmlns:a16="http://schemas.microsoft.com/office/drawing/2014/main" id="{4D2487E2-2682-4B39-A1E9-AEF3C4150C91}"/>
+              </a:ext>
+            </a:extLst>
+          </p:cNvPr>
+          <p:cNvSpPr>
+            <a:spLocks noGrp="1"/>
+          </p:cNvSpPr>
+          <p:nvPr>
+            <p:ph idx="22"/>
+          </p:nvPr>
+        </p:nvSpPr>
+        <p:spPr/>
+        <p:txBody>
+          <a:bodyPr/>
+          <a:lstStyle/>
+          <a:p>
+            <a:endParaRPr lang="en-US" dirty="0"/>
+          </a:p>
+        </p:txBody>
+      </p:sp>
+    </p:spTree>
+    <p:extLst>
+      <p:ext uri="{BB962C8B-B14F-4D97-AF65-F5344CB8AC3E}">
+        <p14:creationId xmlns:p14="http://schemas.microsoft.com/office/powerpoint/2010/main" val="1983806894"/>
+      </p:ext>
+    </p:extLst>
+  </p:cSld>
+  <p:clrMapOvr>
+    <a:masterClrMapping/>
+  </p:clrMapOvr>
+  <p:transition spd="slow">
+    <p:push/>
+  </p:transition>
+</p:sld>
+</file>
+
+<file path=ppt/slides/slide17.xml><?xml version="1.0" encoding="utf-8"?>
+<p:sld xmlns:a="http://schemas.openxmlformats.org/drawingml/2006/main" xmlns:r="http://schemas.openxmlformats.org/officeDocument/2006/relationships" xmlns:p="http://schemas.openxmlformats.org/presentationml/2006/main">
+  <p:cSld>
+    <p:spTree>
+      <p:nvGrpSpPr>
+        <p:cNvPr id="1" name=""/>
+        <p:cNvGrpSpPr/>
+        <p:nvPr/>
+      </p:nvGrpSpPr>
+      <p:grpSpPr>
+        <a:xfrm>
+          <a:off x="0" y="0"/>
+          <a:ext cx="0" cy="0"/>
+          <a:chOff x="0" y="0"/>
+          <a:chExt cx="0" cy="0"/>
+        </a:xfrm>
+      </p:grpSpPr>
+      <p:sp>
+        <p:nvSpPr>
+          <p:cNvPr id="4" name="Content Placeholder 3"/>
+          <p:cNvSpPr>
+            <a:spLocks noGrp="1"/>
+          </p:cNvSpPr>
+          <p:nvPr>
+            <p:ph idx="1"/>
+          </p:nvPr>
+        </p:nvSpPr>
+        <p:spPr>
+          <a:xfrm>
+            <a:off x="68658" y="3493674"/>
+            <a:ext cx="2377440" cy="1411669"/>
+          </a:xfrm>
+        </p:spPr>
+        <p:txBody>
+          <a:bodyPr/>
+          <a:lstStyle/>
+          <a:p>
+            <a:r>
+              <a:rPr lang="en-US" dirty="0"/>
+              <a:t>Tasks split too cleanly</a:t>
+            </a:r>
+          </a:p>
+          <a:p>
+            <a:pPr marL="285750" indent="-285750">
+              <a:buFont typeface="Arial" panose="020B0604020202020204" pitchFamily="34" charset="0"/>
+              <a:buChar char="•"/>
+            </a:pPr>
+            <a:r>
+              <a:rPr lang="en-US" sz="1400" dirty="0"/>
+              <a:t>Problems putting parts together not found until late.</a:t>
+            </a:r>
+          </a:p>
+        </p:txBody>
+      </p:sp>
+      <p:sp>
+        <p:nvSpPr>
+          <p:cNvPr id="3" name="Slide Number Placeholder 2"/>
+          <p:cNvSpPr>
+            <a:spLocks noGrp="1"/>
+          </p:cNvSpPr>
+          <p:nvPr>
+            <p:ph type="sldNum" sz="quarter" idx="12"/>
+          </p:nvPr>
+        </p:nvSpPr>
+        <p:spPr/>
+        <p:txBody>
+          <a:bodyPr/>
+          <a:lstStyle/>
+          <a:p>
+            <a:fld id="{5AE1514C-5E56-4738-A1FF-4B1CFD2A3E36}" type="slidenum">
+              <a:rPr lang="en-US" smtClean="0"/>
+              <a:pPr/>
+              <a:t>17</a:t>
+            </a:fld>
+            <a:endParaRPr lang="en-US"/>
+          </a:p>
+        </p:txBody>
+      </p:sp>
+      <p:sp>
+        <p:nvSpPr>
+          <p:cNvPr id="7" name="Content Placeholder 6"/>
+          <p:cNvSpPr>
+            <a:spLocks noGrp="1"/>
+          </p:cNvSpPr>
+          <p:nvPr>
+            <p:ph idx="14"/>
+          </p:nvPr>
+        </p:nvSpPr>
+        <p:spPr>
+          <a:xfrm>
+            <a:off x="2483635" y="3493674"/>
+            <a:ext cx="2377440" cy="1235210"/>
+          </a:xfrm>
+        </p:spPr>
+        <p:txBody>
+          <a:bodyPr/>
+          <a:lstStyle/>
+          <a:p>
+            <a:r>
+              <a:rPr lang="en-US" dirty="0"/>
+              <a:t>Busy schedules</a:t>
+            </a:r>
+          </a:p>
+          <a:p>
+            <a:pPr marL="285750" indent="-285750">
+              <a:buFont typeface="Arial" panose="020B0604020202020204" pitchFamily="34" charset="0"/>
+              <a:buChar char="•"/>
+            </a:pPr>
+            <a:r>
+              <a:rPr lang="en-US" sz="1400" dirty="0"/>
+              <a:t>Near the deadline, accountability declines.</a:t>
+            </a:r>
+          </a:p>
+          <a:p>
+            <a:endParaRPr lang="en-US" sz="1400" dirty="0"/>
+          </a:p>
+        </p:txBody>
+      </p:sp>
+      <p:sp>
+        <p:nvSpPr>
+          <p:cNvPr id="8" name="Content Placeholder 7"/>
+          <p:cNvSpPr>
+            <a:spLocks noGrp="1"/>
+          </p:cNvSpPr>
+          <p:nvPr>
+            <p:ph idx="15"/>
+          </p:nvPr>
+        </p:nvSpPr>
+        <p:spPr>
+          <a:xfrm>
+            <a:off x="4898612" y="3493674"/>
+            <a:ext cx="2377440" cy="1605568"/>
+          </a:xfrm>
+        </p:spPr>
+        <p:txBody>
+          <a:bodyPr/>
+          <a:lstStyle/>
+          <a:p>
+            <a:r>
+              <a:rPr lang="en-US" dirty="0"/>
+              <a:t>Took people at their word</a:t>
+            </a:r>
+          </a:p>
+          <a:p>
+            <a:pPr marL="285750" indent="-285750">
+              <a:buFont typeface="Arial" panose="020B0604020202020204" pitchFamily="34" charset="0"/>
+              <a:buChar char="•"/>
+            </a:pPr>
+            <a:r>
+              <a:rPr lang="en-US" sz="1400" dirty="0"/>
+              <a:t>Should have </a:t>
+            </a:r>
+            <a:r>
+              <a:rPr lang="en-US" sz="1400" dirty="0" err="1"/>
+              <a:t>demo’d</a:t>
+            </a:r>
+            <a:r>
+              <a:rPr lang="en-US" sz="1400" dirty="0"/>
+              <a:t> every week instead of just talking about progress.</a:t>
+            </a:r>
+          </a:p>
+        </p:txBody>
+      </p:sp>
+      <p:sp>
+        <p:nvSpPr>
+          <p:cNvPr id="9" name="Content Placeholder 8"/>
+          <p:cNvSpPr>
+            <a:spLocks noGrp="1"/>
+          </p:cNvSpPr>
+          <p:nvPr>
+            <p:ph idx="16"/>
+          </p:nvPr>
+        </p:nvSpPr>
+        <p:spPr>
+          <a:xfrm>
+            <a:off x="7313589" y="3493674"/>
+            <a:ext cx="2377440" cy="2166747"/>
+          </a:xfrm>
+        </p:spPr>
+        <p:txBody>
+          <a:bodyPr/>
+          <a:lstStyle/>
+          <a:p>
+            <a:r>
+              <a:rPr lang="en-US" dirty="0"/>
+              <a:t>Unforeseen circumstances</a:t>
+            </a:r>
+          </a:p>
+          <a:p>
+            <a:pPr marL="285750" indent="-285750">
+              <a:buFont typeface="Arial" panose="020B0604020202020204" pitchFamily="34" charset="0"/>
+              <a:buChar char="•"/>
+            </a:pPr>
+            <a:r>
+              <a:rPr lang="en-US" sz="1400" dirty="0"/>
+              <a:t>Teammate dropped.</a:t>
+            </a:r>
+          </a:p>
+          <a:p>
+            <a:pPr marL="285750" indent="-285750">
+              <a:buFont typeface="Arial" panose="020B0604020202020204" pitchFamily="34" charset="0"/>
+              <a:buChar char="•"/>
+            </a:pPr>
+            <a:r>
+              <a:rPr lang="en-US" sz="1400" dirty="0"/>
+              <a:t>Had to learn new technologies last-minute.</a:t>
+            </a:r>
+          </a:p>
+          <a:p>
+            <a:endParaRPr lang="en-US" dirty="0"/>
+          </a:p>
+        </p:txBody>
+      </p:sp>
+      <p:sp>
+        <p:nvSpPr>
+          <p:cNvPr id="33" name="Content Placeholder 32"/>
+          <p:cNvSpPr>
+            <a:spLocks noGrp="1"/>
+          </p:cNvSpPr>
+          <p:nvPr>
+            <p:ph idx="17"/>
+          </p:nvPr>
+        </p:nvSpPr>
+        <p:spPr>
+          <a:xfrm>
+            <a:off x="9728566" y="3493674"/>
+            <a:ext cx="2377440" cy="1411669"/>
+          </a:xfrm>
+        </p:spPr>
+        <p:txBody>
+          <a:bodyPr/>
+          <a:lstStyle/>
+          <a:p>
+            <a:r>
+              <a:rPr lang="en-US" dirty="0"/>
+              <a:t>Coding isn’t everything</a:t>
+            </a:r>
+          </a:p>
+          <a:p>
+            <a:pPr marL="285750" indent="-285750">
+              <a:buFont typeface="Arial" panose="020B0604020202020204" pitchFamily="34" charset="0"/>
+              <a:buChar char="•"/>
+            </a:pPr>
+            <a:r>
+              <a:rPr lang="en-US" sz="1400" dirty="0"/>
+              <a:t>Game development requires a lot of skills beyond just coding.</a:t>
+            </a:r>
+          </a:p>
+        </p:txBody>
+      </p:sp>
+      <p:sp>
+        <p:nvSpPr>
+          <p:cNvPr id="5" name="Text Placeholder 4"/>
+          <p:cNvSpPr>
+            <a:spLocks noGrp="1"/>
+          </p:cNvSpPr>
+          <p:nvPr>
+            <p:ph type="body" sz="quarter" idx="13"/>
+          </p:nvPr>
+        </p:nvSpPr>
+        <p:spPr>
+          <a:xfrm>
+            <a:off x="0" y="764711"/>
+            <a:ext cx="12192000" cy="535531"/>
+          </a:xfrm>
+        </p:spPr>
+        <p:txBody>
+          <a:bodyPr/>
+          <a:lstStyle/>
+          <a:p>
+            <a:r>
+              <a:rPr lang="en-US" dirty="0"/>
+              <a:t>The Bad</a:t>
+            </a:r>
+          </a:p>
+        </p:txBody>
+      </p:sp>
+      <p:sp>
+        <p:nvSpPr>
+          <p:cNvPr id="6" name="Content Placeholder 5">
+            <a:extLst>
+              <a:ext uri="{FF2B5EF4-FFF2-40B4-BE49-F238E27FC236}">
+                <a16:creationId xmlns:a16="http://schemas.microsoft.com/office/drawing/2014/main" id="{2B812EF1-FDFE-4F6F-85EA-7206C29650CD}"/>
+              </a:ext>
+            </a:extLst>
+          </p:cNvPr>
+          <p:cNvSpPr>
+            <a:spLocks noGrp="1"/>
+          </p:cNvSpPr>
+          <p:nvPr>
+            <p:ph idx="18"/>
+          </p:nvPr>
+        </p:nvSpPr>
+        <p:spPr>
+          <a:xfrm>
+            <a:off x="68658" y="2577396"/>
+            <a:ext cx="2377440" cy="840230"/>
+          </a:xfrm>
+        </p:spPr>
+        <p:txBody>
+          <a:bodyPr/>
+          <a:lstStyle/>
+          <a:p>
+            <a:endParaRPr lang="en-US" dirty="0"/>
+          </a:p>
+        </p:txBody>
+      </p:sp>
+      <p:sp>
+        <p:nvSpPr>
+          <p:cNvPr id="11" name="Content Placeholder 10">
+            <a:extLst>
+              <a:ext uri="{FF2B5EF4-FFF2-40B4-BE49-F238E27FC236}">
+                <a16:creationId xmlns:a16="http://schemas.microsoft.com/office/drawing/2014/main" id="{1EC9014B-59D7-4209-A86E-4675D0412F6A}"/>
+              </a:ext>
+            </a:extLst>
+          </p:cNvPr>
+          <p:cNvSpPr>
+            <a:spLocks noGrp="1"/>
+          </p:cNvSpPr>
+          <p:nvPr>
+            <p:ph idx="19"/>
+          </p:nvPr>
+        </p:nvSpPr>
+        <p:spPr/>
+        <p:txBody>
+          <a:bodyPr/>
+          <a:lstStyle/>
+          <a:p>
+            <a:endParaRPr lang="en-US"/>
+          </a:p>
+        </p:txBody>
+      </p:sp>
+      <p:sp>
+        <p:nvSpPr>
+          <p:cNvPr id="13" name="Content Placeholder 12">
+            <a:extLst>
+              <a:ext uri="{FF2B5EF4-FFF2-40B4-BE49-F238E27FC236}">
+                <a16:creationId xmlns:a16="http://schemas.microsoft.com/office/drawing/2014/main" id="{5C026E51-BE9E-4C87-A5CE-C02DAE37E3EF}"/>
+              </a:ext>
+            </a:extLst>
+          </p:cNvPr>
+          <p:cNvSpPr>
+            <a:spLocks noGrp="1"/>
+          </p:cNvSpPr>
+          <p:nvPr>
+            <p:ph idx="20"/>
+          </p:nvPr>
+        </p:nvSpPr>
+        <p:spPr/>
+        <p:txBody>
+          <a:bodyPr/>
+          <a:lstStyle/>
+          <a:p>
+            <a:endParaRPr lang="en-US"/>
+          </a:p>
+        </p:txBody>
+      </p:sp>
+      <p:sp>
+        <p:nvSpPr>
+          <p:cNvPr id="15" name="Content Placeholder 14">
+            <a:extLst>
+              <a:ext uri="{FF2B5EF4-FFF2-40B4-BE49-F238E27FC236}">
+                <a16:creationId xmlns:a16="http://schemas.microsoft.com/office/drawing/2014/main" id="{4A7E47F2-605F-4B9A-98F3-98E06BF8C96E}"/>
+              </a:ext>
+            </a:extLst>
+          </p:cNvPr>
+          <p:cNvSpPr>
+            <a:spLocks noGrp="1"/>
+          </p:cNvSpPr>
+          <p:nvPr>
+            <p:ph idx="21"/>
+          </p:nvPr>
+        </p:nvSpPr>
+        <p:spPr/>
+        <p:txBody>
+          <a:bodyPr/>
+          <a:lstStyle/>
+          <a:p>
+            <a:endParaRPr lang="en-US"/>
+          </a:p>
+        </p:txBody>
+      </p:sp>
+      <p:sp>
+        <p:nvSpPr>
+          <p:cNvPr id="17" name="Content Placeholder 16">
+            <a:extLst>
+              <a:ext uri="{FF2B5EF4-FFF2-40B4-BE49-F238E27FC236}">
+                <a16:creationId xmlns:a16="http://schemas.microsoft.com/office/drawing/2014/main" id="{4D2487E2-2682-4B39-A1E9-AEF3C4150C91}"/>
+              </a:ext>
+            </a:extLst>
+          </p:cNvPr>
+          <p:cNvSpPr>
+            <a:spLocks noGrp="1"/>
+          </p:cNvSpPr>
+          <p:nvPr>
+            <p:ph idx="22"/>
+          </p:nvPr>
+        </p:nvSpPr>
+        <p:spPr/>
+        <p:txBody>
+          <a:bodyPr/>
+          <a:lstStyle/>
+          <a:p>
+            <a:endParaRPr lang="en-US" dirty="0"/>
+          </a:p>
+        </p:txBody>
+      </p:sp>
+    </p:spTree>
+    <p:extLst>
+      <p:ext uri="{BB962C8B-B14F-4D97-AF65-F5344CB8AC3E}">
+        <p14:creationId xmlns:p14="http://schemas.microsoft.com/office/powerpoint/2010/main" val="4213987228"/>
+      </p:ext>
+    </p:extLst>
+  </p:cSld>
+  <p:clrMapOvr>
+    <a:masterClrMapping/>
+  </p:clrMapOvr>
+  <p:transition spd="slow">
+    <p:push/>
+  </p:transition>
+</p:sld>
+</file>
+
+<file path=ppt/slides/slide18.xml><?xml version="1.0" encoding="utf-8"?>
+<p:sld xmlns:a="http://schemas.openxmlformats.org/drawingml/2006/main" xmlns:r="http://schemas.openxmlformats.org/officeDocument/2006/relationships" xmlns:p="http://schemas.openxmlformats.org/presentationml/2006/main">
+  <p:cSld>
     <p:spTree>
       <p:nvGrpSpPr>
         <p:cNvPr id="1" name=""/>
@@ -23166,7 +24154,7 @@
           <a:p>
             <a:fld id="{5AE1514C-5E56-4738-A1FF-4B1CFD2A3E36}" type="slidenum">
               <a:rPr lang="en-US" smtClean="0"/>
-              <a:t>15</a:t>
+              <a:t>18</a:t>
             </a:fld>
             <a:endParaRPr lang="en-US"/>
           </a:p>

--- a/moonbase_presentation.pptx
+++ b/moonbase_presentation.pptx
@@ -21023,7 +21023,7 @@
             </a:pPr>
             <a:r>
               <a:rPr lang="en-US" sz="1400" dirty="0"/>
-              <a:t>E.g. Checkpoints that the players have reached.</a:t>
+              <a:t>E.g. Checkpoints that the players have reached</a:t>
             </a:r>
           </a:p>
         </p:txBody>
@@ -21060,7 +21060,7 @@
             </a:pPr>
             <a:r>
               <a:rPr lang="en-US" sz="1400" dirty="0"/>
-              <a:t>E.g. Map&lt;String, Clip&gt; of soundtrack names to their clips.</a:t>
+              <a:t>E.g. Map&lt;String, Clip&gt; of soundtrack names to their clips</a:t>
             </a:r>
           </a:p>
         </p:txBody>
@@ -21078,7 +21078,7 @@
         <p:spPr>
           <a:xfrm>
             <a:off x="7313589" y="3493674"/>
-            <a:ext cx="2377440" cy="1346010"/>
+            <a:ext cx="2377440" cy="1474250"/>
           </a:xfrm>
         </p:spPr>
         <p:txBody>
@@ -21097,15 +21097,17 @@
             </a:pPr>
             <a:r>
               <a:rPr lang="en-US" sz="1400" dirty="0"/>
-              <a:t>E.g. </a:t>
-            </a:r>
-            <a:r>
-              <a:rPr lang="en-US" sz="1400" dirty="0" err="1"/>
-              <a:t>BufferedImage</a:t>
-            </a:r>
+              <a:t>E.g. Tile[] to hold tiles</a:t>
+            </a:r>
+          </a:p>
+          <a:p>
+            <a:pPr marL="285750" indent="-285750">
+              <a:buFont typeface="Arial" panose="020B0604020202020204" pitchFamily="34" charset="0"/>
+              <a:buChar char="•"/>
+            </a:pPr>
             <a:r>
               <a:rPr lang="en-US" sz="1400" dirty="0"/>
-              <a:t>[] to hold sprite images.</a:t>
+              <a:t>E.g. byte[] to send data</a:t>
             </a:r>
           </a:p>
           <a:p>
@@ -21145,7 +21147,7 @@
             </a:pPr>
             <a:r>
               <a:rPr lang="en-US" sz="1400" dirty="0"/>
-              <a:t>E.g. messages sent from clients to server.</a:t>
+              <a:t>E.g. messages sent from clients to server</a:t>
             </a:r>
           </a:p>
         </p:txBody>

--- a/moonbase_presentation.pptx
+++ b/moonbase_presentation.pptx
@@ -257,7 +257,7 @@
           <a:p>
             <a:fld id="{7CCA049B-3A46-4BDA-A8F5-2925B00FE570}" type="datetimeFigureOut">
               <a:rPr lang="en-US" smtClean="0"/>
-              <a:t>11/23/2017</a:t>
+              <a:t>11/24/2017</a:t>
             </a:fld>
             <a:endParaRPr lang="en-US"/>
           </a:p>
@@ -422,7 +422,7 @@
           <a:p>
             <a:fld id="{44C46CEC-428A-4DD0-A7C7-21AF8DE33E93}" type="datetimeFigureOut">
               <a:rPr lang="en-US" smtClean="0"/>
-              <a:t>11/23/2017</a:t>
+              <a:t>11/24/2017</a:t>
             </a:fld>
             <a:endParaRPr lang="en-US"/>
           </a:p>
@@ -1185,7 +1185,7 @@
                 <a:tabLst/>
                 <a:defRPr/>
               </a:pPr>
-              <a:t>11/23/2017 2:08 AM</a:t>
+              <a:t>11/24/2017 5:43 PM</a:t>
             </a:fld>
             <a:endParaRPr kumimoji="0" lang="en-US" sz="1800" b="0" i="0" u="none" strike="noStrike" kern="0" cap="none" spc="0" normalizeH="0" baseline="0" noProof="0" dirty="0">
               <a:ln>
@@ -31581,7 +31581,7 @@
         <p:spPr>
           <a:xfrm>
             <a:off x="7313589" y="3493674"/>
-            <a:ext cx="2377440" cy="1152110"/>
+            <a:ext cx="2377440" cy="1862048"/>
           </a:xfrm>
         </p:spPr>
         <p:txBody>
@@ -31590,7 +31590,7 @@
           <a:p>
             <a:r>
               <a:rPr lang="en-US" dirty="0"/>
-              <a:t>TODO:</a:t>
+              <a:t>BUAD 302</a:t>
             </a:r>
           </a:p>
           <a:p>
@@ -31600,7 +31600,17 @@
             </a:pPr>
             <a:r>
               <a:rPr lang="en-US" sz="1400" dirty="0"/>
-              <a:t>Put something here</a:t>
+              <a:t>Business Communications</a:t>
+            </a:r>
+          </a:p>
+          <a:p>
+            <a:pPr marL="285750" indent="-285750">
+              <a:buFont typeface="Arial" panose="020B0604020202020204" pitchFamily="34" charset="0"/>
+              <a:buChar char="•"/>
+            </a:pPr>
+            <a:r>
+              <a:rPr lang="en-US" sz="1400" dirty="0"/>
+              <a:t>Structuring group presentations</a:t>
             </a:r>
           </a:p>
           <a:p>
@@ -31728,12 +31738,17 @@
             <p:ph idx="19"/>
           </p:nvPr>
         </p:nvSpPr>
-        <p:spPr/>
+        <p:spPr>
+          <a:xfrm>
+            <a:off x="2483635" y="2577396"/>
+            <a:ext cx="2377440" cy="840230"/>
+          </a:xfrm>
+        </p:spPr>
         <p:txBody>
           <a:bodyPr/>
           <a:lstStyle/>
           <a:p>
-            <a:endParaRPr lang="en-US"/>
+            <a:endParaRPr lang="en-US" dirty="0"/>
           </a:p>
         </p:txBody>
       </p:sp>

--- a/moonbase_presentation.pptx
+++ b/moonbase_presentation.pptx
@@ -257,7 +257,7 @@
           <a:p>
             <a:fld id="{7CCA049B-3A46-4BDA-A8F5-2925B00FE570}" type="datetimeFigureOut">
               <a:rPr lang="en-US" smtClean="0"/>
-              <a:t>11/24/2017</a:t>
+              <a:t>11/29/2017</a:t>
             </a:fld>
             <a:endParaRPr lang="en-US"/>
           </a:p>
@@ -422,7 +422,7 @@
           <a:p>
             <a:fld id="{44C46CEC-428A-4DD0-A7C7-21AF8DE33E93}" type="datetimeFigureOut">
               <a:rPr lang="en-US" smtClean="0"/>
-              <a:t>11/24/2017</a:t>
+              <a:t>11/29/2017</a:t>
             </a:fld>
             <a:endParaRPr lang="en-US"/>
           </a:p>
@@ -1185,7 +1185,7 @@
                 <a:tabLst/>
                 <a:defRPr/>
               </a:pPr>
-              <a:t>11/24/2017 5:43 PM</a:t>
+              <a:t>11/29/2017 9:23 PM</a:t>
             </a:fld>
             <a:endParaRPr kumimoji="0" lang="en-US" sz="1800" b="0" i="0" u="none" strike="noStrike" kern="0" cap="none" spc="0" normalizeH="0" baseline="0" noProof="0" dirty="0">
               <a:ln>
@@ -23259,7 +23259,7 @@
         <p:spPr>
           <a:xfrm>
             <a:off x="7313589" y="3493674"/>
-            <a:ext cx="2377440" cy="1346010"/>
+            <a:ext cx="2377440" cy="1862048"/>
           </a:xfrm>
         </p:spPr>
         <p:txBody>
@@ -23268,7 +23268,7 @@
           <a:p>
             <a:r>
               <a:rPr lang="en-US" dirty="0"/>
-              <a:t>Completion</a:t>
+              <a:t>Manageable</a:t>
             </a:r>
           </a:p>
           <a:p>
@@ -23278,7 +23278,17 @@
             </a:pPr>
             <a:r>
               <a:rPr lang="en-US" sz="1400" dirty="0"/>
-              <a:t>Stuck it out and finished!</a:t>
+              <a:t>Project was not too ambitious</a:t>
+            </a:r>
+          </a:p>
+          <a:p>
+            <a:pPr marL="285750" indent="-285750">
+              <a:buFont typeface="Arial" panose="020B0604020202020204" pitchFamily="34" charset="0"/>
+              <a:buChar char="•"/>
+            </a:pPr>
+            <a:r>
+              <a:rPr lang="en-US" sz="1400" dirty="0"/>
+              <a:t>Project was not boringly simple</a:t>
             </a:r>
           </a:p>
           <a:p>
@@ -27213,6 +27223,283 @@
           </a:p>
         </p:txBody>
       </p:sp>
+      <p:sp>
+        <p:nvSpPr>
+          <p:cNvPr id="20" name="Content Placeholder 17">
+            <a:extLst>
+              <a:ext uri="{FF2B5EF4-FFF2-40B4-BE49-F238E27FC236}">
+                <a16:creationId xmlns:a16="http://schemas.microsoft.com/office/drawing/2014/main" id="{8E43B38A-CD78-48C8-8BCD-F36F7ED61FC6}"/>
+              </a:ext>
+            </a:extLst>
+          </p:cNvPr>
+          <p:cNvSpPr txBox="1">
+            <a:spLocks/>
+          </p:cNvSpPr>
+          <p:nvPr/>
+        </p:nvSpPr>
+        <p:spPr>
+          <a:xfrm>
+            <a:off x="8158237" y="2900320"/>
+            <a:ext cx="3773077" cy="1696875"/>
+          </a:xfrm>
+          <a:prstGeom prst="rect">
+            <a:avLst/>
+          </a:prstGeom>
+        </p:spPr>
+        <p:txBody>
+          <a:bodyPr vert="horz" wrap="square" lIns="91440" tIns="45720" rIns="91440" bIns="45720" rtlCol="0">
+            <a:spAutoFit/>
+          </a:bodyPr>
+          <a:lstStyle>
+            <a:lvl1pPr marL="0" indent="0" algn="ctr" defTabSz="914400" rtl="0" eaLnBrk="1" latinLnBrk="0" hangingPunct="1">
+              <a:lnSpc>
+                <a:spcPct val="90000"/>
+              </a:lnSpc>
+              <a:spcBef>
+                <a:spcPts val="1000"/>
+              </a:spcBef>
+              <a:buFont typeface="Arial" panose="020B0604020202020204" pitchFamily="34" charset="0"/>
+              <a:buNone/>
+              <a:defRPr lang="en-US" sz="2400" b="1" kern="1200" dirty="0">
+                <a:gradFill>
+                  <a:gsLst>
+                    <a:gs pos="15000">
+                      <a:schemeClr val="tx2"/>
+                    </a:gs>
+                    <a:gs pos="47000">
+                      <a:schemeClr val="tx2"/>
+                    </a:gs>
+                  </a:gsLst>
+                  <a:lin ang="5400000" scaled="1"/>
+                </a:gradFill>
+                <a:latin typeface="Segoe UI Semilight" panose="020B0402040204020203" pitchFamily="34" charset="0"/>
+                <a:ea typeface="+mn-ea"/>
+                <a:cs typeface="Segoe UI Semilight" panose="020B0402040204020203" pitchFamily="34" charset="0"/>
+              </a:defRPr>
+            </a:lvl1pPr>
+            <a:lvl2pPr marL="0" indent="0" algn="ctr" defTabSz="914400" rtl="0" eaLnBrk="1" latinLnBrk="0" hangingPunct="1">
+              <a:lnSpc>
+                <a:spcPct val="90000"/>
+              </a:lnSpc>
+              <a:spcBef>
+                <a:spcPts val="1000"/>
+              </a:spcBef>
+              <a:spcAft>
+                <a:spcPts val="1200"/>
+              </a:spcAft>
+              <a:buFont typeface="Arial" panose="020B0604020202020204" pitchFamily="34" charset="0"/>
+              <a:buNone/>
+              <a:defRPr lang="en-US" sz="2000" kern="1200" dirty="0">
+                <a:solidFill>
+                  <a:schemeClr val="tx1"/>
+                </a:solidFill>
+                <a:latin typeface="Segoe UI Semilight" panose="020B0402040204020203" pitchFamily="34" charset="0"/>
+                <a:ea typeface="+mn-ea"/>
+                <a:cs typeface="Segoe UI Semilight" panose="020B0402040204020203" pitchFamily="34" charset="0"/>
+              </a:defRPr>
+            </a:lvl2pPr>
+            <a:lvl3pPr marL="0" indent="0" algn="ctr" defTabSz="914400" rtl="0" eaLnBrk="1" latinLnBrk="0" hangingPunct="1">
+              <a:lnSpc>
+                <a:spcPct val="90000"/>
+              </a:lnSpc>
+              <a:spcBef>
+                <a:spcPts val="1200"/>
+              </a:spcBef>
+              <a:spcAft>
+                <a:spcPts val="1200"/>
+              </a:spcAft>
+              <a:buFont typeface="Arial" panose="020B0604020202020204" pitchFamily="34" charset="0"/>
+              <a:buNone/>
+              <a:defRPr sz="1800" b="1" kern="1200">
+                <a:solidFill>
+                  <a:schemeClr val="tx2"/>
+                </a:solidFill>
+                <a:latin typeface="+mn-lt"/>
+                <a:ea typeface="+mn-ea"/>
+                <a:cs typeface="+mn-cs"/>
+              </a:defRPr>
+            </a:lvl3pPr>
+            <a:lvl4pPr marL="0" indent="0" algn="ctr" defTabSz="914400" rtl="0" eaLnBrk="1" latinLnBrk="0" hangingPunct="1">
+              <a:lnSpc>
+                <a:spcPct val="90000"/>
+              </a:lnSpc>
+              <a:spcBef>
+                <a:spcPts val="0"/>
+              </a:spcBef>
+              <a:spcAft>
+                <a:spcPts val="600"/>
+              </a:spcAft>
+              <a:buFont typeface="Arial" panose="020B0604020202020204" pitchFamily="34" charset="0"/>
+              <a:buNone/>
+              <a:defRPr sz="1800" kern="1200">
+                <a:solidFill>
+                  <a:schemeClr val="tx1">
+                    <a:lumMod val="85000"/>
+                    <a:lumOff val="15000"/>
+                  </a:schemeClr>
+                </a:solidFill>
+                <a:latin typeface="+mn-lt"/>
+                <a:ea typeface="+mn-ea"/>
+                <a:cs typeface="+mn-cs"/>
+              </a:defRPr>
+            </a:lvl4pPr>
+            <a:lvl5pPr marL="0" indent="0" algn="ctr" defTabSz="914400" rtl="0" eaLnBrk="1" latinLnBrk="0" hangingPunct="1">
+              <a:lnSpc>
+                <a:spcPct val="90000"/>
+              </a:lnSpc>
+              <a:spcBef>
+                <a:spcPts val="0"/>
+              </a:spcBef>
+              <a:spcAft>
+                <a:spcPts val="1200"/>
+              </a:spcAft>
+              <a:buFont typeface="Arial" panose="020B0604020202020204" pitchFamily="34" charset="0"/>
+              <a:buNone/>
+              <a:defRPr sz="1600" kern="1200">
+                <a:solidFill>
+                  <a:schemeClr val="tx1">
+                    <a:lumMod val="85000"/>
+                    <a:lumOff val="15000"/>
+                  </a:schemeClr>
+                </a:solidFill>
+                <a:latin typeface="+mn-lt"/>
+                <a:ea typeface="+mn-ea"/>
+                <a:cs typeface="+mn-cs"/>
+              </a:defRPr>
+            </a:lvl5pPr>
+            <a:lvl6pPr marL="2514600" indent="-228600" algn="l" defTabSz="914400" rtl="0" eaLnBrk="1" latinLnBrk="0" hangingPunct="1">
+              <a:lnSpc>
+                <a:spcPct val="90000"/>
+              </a:lnSpc>
+              <a:spcBef>
+                <a:spcPts val="500"/>
+              </a:spcBef>
+              <a:buFont typeface="Arial" panose="020B0604020202020204" pitchFamily="34" charset="0"/>
+              <a:buChar char="•"/>
+              <a:defRPr sz="1800" kern="1200">
+                <a:solidFill>
+                  <a:schemeClr val="tx1"/>
+                </a:solidFill>
+                <a:latin typeface="+mn-lt"/>
+                <a:ea typeface="+mn-ea"/>
+                <a:cs typeface="+mn-cs"/>
+              </a:defRPr>
+            </a:lvl6pPr>
+            <a:lvl7pPr marL="2971800" indent="-228600" algn="l" defTabSz="914400" rtl="0" eaLnBrk="1" latinLnBrk="0" hangingPunct="1">
+              <a:lnSpc>
+                <a:spcPct val="90000"/>
+              </a:lnSpc>
+              <a:spcBef>
+                <a:spcPts val="500"/>
+              </a:spcBef>
+              <a:buFont typeface="Arial" panose="020B0604020202020204" pitchFamily="34" charset="0"/>
+              <a:buChar char="•"/>
+              <a:defRPr sz="1800" kern="1200">
+                <a:solidFill>
+                  <a:schemeClr val="tx1"/>
+                </a:solidFill>
+                <a:latin typeface="+mn-lt"/>
+                <a:ea typeface="+mn-ea"/>
+                <a:cs typeface="+mn-cs"/>
+              </a:defRPr>
+            </a:lvl7pPr>
+            <a:lvl8pPr marL="3429000" indent="-228600" algn="l" defTabSz="914400" rtl="0" eaLnBrk="1" latinLnBrk="0" hangingPunct="1">
+              <a:lnSpc>
+                <a:spcPct val="90000"/>
+              </a:lnSpc>
+              <a:spcBef>
+                <a:spcPts val="500"/>
+              </a:spcBef>
+              <a:buFont typeface="Arial" panose="020B0604020202020204" pitchFamily="34" charset="0"/>
+              <a:buChar char="•"/>
+              <a:defRPr sz="1800" kern="1200">
+                <a:solidFill>
+                  <a:schemeClr val="tx1"/>
+                </a:solidFill>
+                <a:latin typeface="+mn-lt"/>
+                <a:ea typeface="+mn-ea"/>
+                <a:cs typeface="+mn-cs"/>
+              </a:defRPr>
+            </a:lvl8pPr>
+            <a:lvl9pPr marL="3886200" indent="-228600" algn="l" defTabSz="914400" rtl="0" eaLnBrk="1" latinLnBrk="0" hangingPunct="1">
+              <a:lnSpc>
+                <a:spcPct val="90000"/>
+              </a:lnSpc>
+              <a:spcBef>
+                <a:spcPts val="500"/>
+              </a:spcBef>
+              <a:buFont typeface="Arial" panose="020B0604020202020204" pitchFamily="34" charset="0"/>
+              <a:buChar char="•"/>
+              <a:defRPr sz="1800" kern="1200">
+                <a:solidFill>
+                  <a:schemeClr val="tx1"/>
+                </a:solidFill>
+                <a:latin typeface="+mn-lt"/>
+                <a:ea typeface="+mn-ea"/>
+                <a:cs typeface="+mn-cs"/>
+              </a:defRPr>
+            </a:lvl9pPr>
+          </a:lstStyle>
+          <a:p>
+            <a:pPr>
+              <a:spcAft>
+                <a:spcPts val="2400"/>
+              </a:spcAft>
+            </a:pPr>
+            <a:r>
+              <a:rPr lang="en-US" dirty="0"/>
+              <a:t>GUIs</a:t>
+            </a:r>
+          </a:p>
+          <a:p>
+            <a:pPr lvl="1"/>
+            <a:r>
+              <a:rPr lang="en-US" dirty="0"/>
+              <a:t>Java Swing!</a:t>
+            </a:r>
+          </a:p>
+          <a:p>
+            <a:pPr lvl="1"/>
+            <a:endParaRPr lang="en-US" dirty="0"/>
+          </a:p>
+        </p:txBody>
+      </p:sp>
+      <p:pic>
+        <p:nvPicPr>
+          <p:cNvPr id="21" name="Content Placeholder 25">
+            <a:extLst>
+              <a:ext uri="{FF2B5EF4-FFF2-40B4-BE49-F238E27FC236}">
+                <a16:creationId xmlns:a16="http://schemas.microsoft.com/office/drawing/2014/main" id="{9CD5C97C-7AA9-464A-A123-53E8CB760D8A}"/>
+              </a:ext>
+            </a:extLst>
+          </p:cNvPr>
+          <p:cNvPicPr>
+            <a:picLocks noChangeAspect="1"/>
+          </p:cNvPicPr>
+          <p:nvPr/>
+        </p:nvPicPr>
+        <p:blipFill>
+          <a:blip r:embed="rId3" cstate="screen">
+            <a:extLst>
+              <a:ext uri="{28A0092B-C50C-407E-A947-70E740481C1C}">
+                <a14:useLocalDpi xmlns:a14="http://schemas.microsoft.com/office/drawing/2010/main" val="0"/>
+              </a:ext>
+            </a:extLst>
+          </a:blip>
+          <a:stretch>
+            <a:fillRect/>
+          </a:stretch>
+        </p:blipFill>
+        <p:spPr>
+          <a:xfrm>
+            <a:off x="9518619" y="4056033"/>
+            <a:ext cx="1119717" cy="839788"/>
+          </a:xfrm>
+          <a:prstGeom prst="rect">
+            <a:avLst/>
+          </a:prstGeom>
+        </p:spPr>
+      </p:pic>
     </p:spTree>
     <p:extLst>
       <p:ext uri="{BB962C8B-B14F-4D97-AF65-F5344CB8AC3E}">
@@ -28643,49 +28930,14 @@
                                 </p:cTn>
                               </p:par>
                               <p:par>
-                                <p:cTn id="89" presetID="10" presetClass="exit" presetSubtype="0" fill="hold" grpId="2" nodeType="withEffect">
-                                  <p:stCondLst>
-                                    <p:cond delay="0"/>
-                                  </p:stCondLst>
-                                  <p:childTnLst>
-                                    <p:animEffect transition="out" filter="fade">
-                                      <p:cBhvr>
-                                        <p:cTn id="90" dur="500"/>
-                                        <p:tgtEl>
-                                          <p:spTgt spid="15"/>
-                                        </p:tgtEl>
-                                      </p:cBhvr>
-                                    </p:animEffect>
-                                    <p:set>
-                                      <p:cBhvr>
-                                        <p:cTn id="91" dur="1" fill="hold">
-                                          <p:stCondLst>
-                                            <p:cond delay="499"/>
-                                          </p:stCondLst>
-                                        </p:cTn>
-                                        <p:tgtEl>
-                                          <p:spTgt spid="15"/>
-                                        </p:tgtEl>
-                                        <p:attrNameLst>
-                                          <p:attrName>style.visibility</p:attrName>
-                                        </p:attrNameLst>
-                                      </p:cBhvr>
-                                      <p:to>
-                                        <p:strVal val="hidden"/>
-                                      </p:to>
-                                    </p:set>
-                                  </p:childTnLst>
-                                </p:cTn>
-                              </p:par>
-                              <p:par>
-                                <p:cTn id="92" presetID="10" presetClass="entr" presetSubtype="0" fill="hold" grpId="0" nodeType="withEffect">
+                                <p:cTn id="89" presetID="10" presetClass="entr" presetSubtype="0" fill="hold" grpId="0" nodeType="withEffect">
                                   <p:stCondLst>
                                     <p:cond delay="0"/>
                                   </p:stCondLst>
                                   <p:childTnLst>
                                     <p:set>
                                       <p:cBhvr>
-                                        <p:cTn id="93" dur="1" fill="hold">
+                                        <p:cTn id="90" dur="1" fill="hold">
                                           <p:stCondLst>
                                             <p:cond delay="0"/>
                                           </p:stCondLst>
@@ -28703,7 +28955,7 @@
                                     </p:set>
                                     <p:animEffect transition="in" filter="fade">
                                       <p:cBhvr>
-                                        <p:cTn id="94" dur="500"/>
+                                        <p:cTn id="91" dur="500"/>
                                         <p:tgtEl>
                                           <p:spTgt spid="25"/>
                                         </p:tgtEl>
@@ -28719,26 +28971,26 @@
                     </p:cTn>
                   </p:par>
                   <p:par>
-                    <p:cTn id="95" fill="hold">
+                    <p:cTn id="92" fill="hold">
                       <p:stCondLst>
                         <p:cond delay="indefinite"/>
                       </p:stCondLst>
                       <p:childTnLst>
                         <p:par>
-                          <p:cTn id="96" fill="hold">
+                          <p:cTn id="93" fill="hold">
                             <p:stCondLst>
                               <p:cond delay="0"/>
                             </p:stCondLst>
                             <p:childTnLst>
                               <p:par>
-                                <p:cTn id="97" presetID="2" presetClass="entr" presetSubtype="4" decel="100000" fill="hold" grpId="0" nodeType="clickEffect">
+                                <p:cTn id="94" presetID="2" presetClass="entr" presetSubtype="4" decel="100000" fill="hold" grpId="0" nodeType="clickEffect">
                                   <p:stCondLst>
                                     <p:cond delay="0"/>
                                   </p:stCondLst>
                                   <p:childTnLst>
                                     <p:set>
                                       <p:cBhvr>
-                                        <p:cTn id="98" dur="1" fill="hold">
+                                        <p:cTn id="95" dur="1" fill="hold">
                                           <p:stCondLst>
                                             <p:cond delay="0"/>
                                           </p:stCondLst>
@@ -28760,7 +29012,7 @@
                                     </p:set>
                                     <p:anim calcmode="lin" valueType="num">
                                       <p:cBhvr additive="base">
-                                        <p:cTn id="99" dur="800" fill="hold"/>
+                                        <p:cTn id="96" dur="800" fill="hold"/>
                                         <p:tgtEl>
                                           <p:spTgt spid="22">
                                             <p:txEl>
@@ -28787,7 +29039,7 @@
                                     </p:anim>
                                     <p:anim calcmode="lin" valueType="num">
                                       <p:cBhvr additive="base">
-                                        <p:cTn id="100" dur="800" fill="hold"/>
+                                        <p:cTn id="97" dur="800" fill="hold"/>
                                         <p:tgtEl>
                                           <p:spTgt spid="22">
                                             <p:txEl>
@@ -28816,14 +29068,14 @@
                                 </p:cTn>
                               </p:par>
                               <p:par>
-                                <p:cTn id="101" presetID="2" presetClass="entr" presetSubtype="4" decel="100000" fill="hold" grpId="0" nodeType="withEffect">
+                                <p:cTn id="98" presetID="2" presetClass="entr" presetSubtype="4" decel="100000" fill="hold" grpId="0" nodeType="withEffect">
                                   <p:stCondLst>
                                     <p:cond delay="0"/>
                                   </p:stCondLst>
                                   <p:childTnLst>
                                     <p:set>
                                       <p:cBhvr>
-                                        <p:cTn id="102" dur="1" fill="hold">
+                                        <p:cTn id="99" dur="1" fill="hold">
                                           <p:stCondLst>
                                             <p:cond delay="0"/>
                                           </p:stCondLst>
@@ -28845,7 +29097,7 @@
                                     </p:set>
                                     <p:anim calcmode="lin" valueType="num">
                                       <p:cBhvr additive="base">
-                                        <p:cTn id="103" dur="800" fill="hold"/>
+                                        <p:cTn id="100" dur="800" fill="hold"/>
                                         <p:tgtEl>
                                           <p:spTgt spid="22">
                                             <p:txEl>
@@ -28872,7 +29124,7 @@
                                     </p:anim>
                                     <p:anim calcmode="lin" valueType="num">
                                       <p:cBhvr additive="base">
-                                        <p:cTn id="104" dur="800" fill="hold"/>
+                                        <p:cTn id="101" dur="800" fill="hold"/>
                                         <p:tgtEl>
                                           <p:spTgt spid="22">
                                             <p:txEl>
@@ -28901,14 +29153,14 @@
                                 </p:cTn>
                               </p:par>
                               <p:par>
-                                <p:cTn id="105" presetID="2" presetClass="entr" presetSubtype="4" decel="100000" fill="hold" grpId="0" nodeType="withEffect">
+                                <p:cTn id="102" presetID="2" presetClass="entr" presetSubtype="4" decel="100000" fill="hold" grpId="0" nodeType="withEffect">
                                   <p:stCondLst>
                                     <p:cond delay="0"/>
                                   </p:stCondLst>
                                   <p:childTnLst>
                                     <p:set>
                                       <p:cBhvr>
-                                        <p:cTn id="106" dur="1" fill="hold">
+                                        <p:cTn id="103" dur="1" fill="hold">
                                           <p:stCondLst>
                                             <p:cond delay="0"/>
                                           </p:stCondLst>
@@ -28930,7 +29182,7 @@
                                     </p:set>
                                     <p:anim calcmode="lin" valueType="num">
                                       <p:cBhvr additive="base">
-                                        <p:cTn id="107" dur="800" fill="hold"/>
+                                        <p:cTn id="104" dur="800" fill="hold"/>
                                         <p:tgtEl>
                                           <p:spTgt spid="22">
                                             <p:txEl>
@@ -28957,7 +29209,7 @@
                                     </p:anim>
                                     <p:anim calcmode="lin" valueType="num">
                                       <p:cBhvr additive="base">
-                                        <p:cTn id="108" dur="800" fill="hold"/>
+                                        <p:cTn id="105" dur="800" fill="hold"/>
                                         <p:tgtEl>
                                           <p:spTgt spid="22">
                                             <p:txEl>
@@ -28992,26 +29244,26 @@
                     </p:cTn>
                   </p:par>
                   <p:par>
-                    <p:cTn id="109" fill="hold">
+                    <p:cTn id="106" fill="hold">
                       <p:stCondLst>
                         <p:cond delay="indefinite"/>
                       </p:stCondLst>
                       <p:childTnLst>
                         <p:par>
-                          <p:cTn id="110" fill="hold">
+                          <p:cTn id="107" fill="hold">
                             <p:stCondLst>
                               <p:cond delay="0"/>
                             </p:stCondLst>
                             <p:childTnLst>
                               <p:par>
-                                <p:cTn id="111" presetID="2" presetClass="entr" presetSubtype="4" decel="100000" fill="hold" grpId="0" nodeType="clickEffect">
+                                <p:cTn id="108" presetID="2" presetClass="entr" presetSubtype="4" decel="100000" fill="hold" grpId="0" nodeType="clickEffect">
                                   <p:stCondLst>
                                     <p:cond delay="0"/>
                                   </p:stCondLst>
                                   <p:childTnLst>
                                     <p:set>
                                       <p:cBhvr>
-                                        <p:cTn id="112" dur="1" fill="hold">
+                                        <p:cTn id="109" dur="1" fill="hold">
                                           <p:stCondLst>
                                             <p:cond delay="0"/>
                                           </p:stCondLst>
@@ -29033,7 +29285,7 @@
                                     </p:set>
                                     <p:anim calcmode="lin" valueType="num">
                                       <p:cBhvr additive="base">
-                                        <p:cTn id="113" dur="800" fill="hold"/>
+                                        <p:cTn id="110" dur="800" fill="hold"/>
                                         <p:tgtEl>
                                           <p:spTgt spid="23">
                                             <p:txEl>
@@ -29060,7 +29312,7 @@
                                     </p:anim>
                                     <p:anim calcmode="lin" valueType="num">
                                       <p:cBhvr additive="base">
-                                        <p:cTn id="114" dur="800" fill="hold"/>
+                                        <p:cTn id="111" dur="800" fill="hold"/>
                                         <p:tgtEl>
                                           <p:spTgt spid="23">
                                             <p:txEl>
@@ -29089,14 +29341,14 @@
                                 </p:cTn>
                               </p:par>
                               <p:par>
-                                <p:cTn id="115" presetID="2" presetClass="entr" presetSubtype="4" decel="100000" fill="hold" grpId="0" nodeType="withEffect">
+                                <p:cTn id="112" presetID="2" presetClass="entr" presetSubtype="4" decel="100000" fill="hold" grpId="0" nodeType="withEffect">
                                   <p:stCondLst>
                                     <p:cond delay="0"/>
                                   </p:stCondLst>
                                   <p:childTnLst>
                                     <p:set>
                                       <p:cBhvr>
-                                        <p:cTn id="116" dur="1" fill="hold">
+                                        <p:cTn id="113" dur="1" fill="hold">
                                           <p:stCondLst>
                                             <p:cond delay="0"/>
                                           </p:stCondLst>
@@ -29118,7 +29370,7 @@
                                     </p:set>
                                     <p:anim calcmode="lin" valueType="num">
                                       <p:cBhvr additive="base">
-                                        <p:cTn id="117" dur="800" fill="hold"/>
+                                        <p:cTn id="114" dur="800" fill="hold"/>
                                         <p:tgtEl>
                                           <p:spTgt spid="23">
                                             <p:txEl>
@@ -29145,7 +29397,7 @@
                                     </p:anim>
                                     <p:anim calcmode="lin" valueType="num">
                                       <p:cBhvr additive="base">
-                                        <p:cTn id="118" dur="800" fill="hold"/>
+                                        <p:cTn id="115" dur="800" fill="hold"/>
                                         <p:tgtEl>
                                           <p:spTgt spid="23">
                                             <p:txEl>
@@ -29174,14 +29426,14 @@
                                 </p:cTn>
                               </p:par>
                               <p:par>
-                                <p:cTn id="119" presetID="2" presetClass="entr" presetSubtype="4" decel="100000" fill="hold" grpId="0" nodeType="withEffect">
+                                <p:cTn id="116" presetID="2" presetClass="entr" presetSubtype="4" decel="100000" fill="hold" grpId="0" nodeType="withEffect">
                                   <p:stCondLst>
                                     <p:cond delay="0"/>
                                   </p:stCondLst>
                                   <p:childTnLst>
                                     <p:set>
                                       <p:cBhvr>
-                                        <p:cTn id="120" dur="1" fill="hold">
+                                        <p:cTn id="117" dur="1" fill="hold">
                                           <p:stCondLst>
                                             <p:cond delay="0"/>
                                           </p:stCondLst>
@@ -29203,7 +29455,7 @@
                                     </p:set>
                                     <p:anim calcmode="lin" valueType="num">
                                       <p:cBhvr additive="base">
-                                        <p:cTn id="121" dur="800" fill="hold"/>
+                                        <p:cTn id="118" dur="800" fill="hold"/>
                                         <p:tgtEl>
                                           <p:spTgt spid="23">
                                             <p:txEl>
@@ -29230,7 +29482,7 @@
                                     </p:anim>
                                     <p:anim calcmode="lin" valueType="num">
                                       <p:cBhvr additive="base">
-                                        <p:cTn id="122" dur="800" fill="hold"/>
+                                        <p:cTn id="119" dur="800" fill="hold"/>
                                         <p:tgtEl>
                                           <p:spTgt spid="23">
                                             <p:txEl>
@@ -29265,26 +29517,258 @@
                     </p:cTn>
                   </p:par>
                   <p:par>
-                    <p:cTn id="123" fill="hold">
+                    <p:cTn id="120" fill="hold">
                       <p:stCondLst>
                         <p:cond delay="indefinite"/>
                       </p:stCondLst>
                       <p:childTnLst>
                         <p:par>
-                          <p:cTn id="124" fill="hold">
+                          <p:cTn id="121" fill="hold">
                             <p:stCondLst>
                               <p:cond delay="0"/>
                             </p:stCondLst>
                             <p:childTnLst>
                               <p:par>
-                                <p:cTn id="125" presetID="10" presetClass="exit" presetSubtype="0" fill="hold" grpId="1" nodeType="clickEffect">
+                                <p:cTn id="122" presetID="2" presetClass="entr" presetSubtype="4" decel="100000" fill="hold" grpId="0" nodeType="clickEffect">
+                                  <p:stCondLst>
+                                    <p:cond delay="0"/>
+                                  </p:stCondLst>
+                                  <p:childTnLst>
+                                    <p:set>
+                                      <p:cBhvr>
+                                        <p:cTn id="123" dur="1" fill="hold">
+                                          <p:stCondLst>
+                                            <p:cond delay="0"/>
+                                          </p:stCondLst>
+                                        </p:cTn>
+                                        <p:tgtEl>
+                                          <p:spTgt spid="20">
+                                            <p:txEl>
+                                              <p:pRg st="0" end="0"/>
+                                            </p:txEl>
+                                          </p:spTgt>
+                                        </p:tgtEl>
+                                        <p:attrNameLst>
+                                          <p:attrName>style.visibility</p:attrName>
+                                        </p:attrNameLst>
+                                      </p:cBhvr>
+                                      <p:to>
+                                        <p:strVal val="visible"/>
+                                      </p:to>
+                                    </p:set>
+                                    <p:anim calcmode="lin" valueType="num">
+                                      <p:cBhvr additive="base">
+                                        <p:cTn id="124" dur="800" fill="hold"/>
+                                        <p:tgtEl>
+                                          <p:spTgt spid="20">
+                                            <p:txEl>
+                                              <p:pRg st="0" end="0"/>
+                                            </p:txEl>
+                                          </p:spTgt>
+                                        </p:tgtEl>
+                                        <p:attrNameLst>
+                                          <p:attrName>ppt_x</p:attrName>
+                                        </p:attrNameLst>
+                                      </p:cBhvr>
+                                      <p:tavLst>
+                                        <p:tav tm="0">
+                                          <p:val>
+                                            <p:strVal val="#ppt_x"/>
+                                          </p:val>
+                                        </p:tav>
+                                        <p:tav tm="100000">
+                                          <p:val>
+                                            <p:strVal val="#ppt_x"/>
+                                          </p:val>
+                                        </p:tav>
+                                      </p:tavLst>
+                                    </p:anim>
+                                    <p:anim calcmode="lin" valueType="num">
+                                      <p:cBhvr additive="base">
+                                        <p:cTn id="125" dur="800" fill="hold"/>
+                                        <p:tgtEl>
+                                          <p:spTgt spid="20">
+                                            <p:txEl>
+                                              <p:pRg st="0" end="0"/>
+                                            </p:txEl>
+                                          </p:spTgt>
+                                        </p:tgtEl>
+                                        <p:attrNameLst>
+                                          <p:attrName>ppt_y</p:attrName>
+                                        </p:attrNameLst>
+                                      </p:cBhvr>
+                                      <p:tavLst>
+                                        <p:tav tm="0">
+                                          <p:val>
+                                            <p:strVal val="1+#ppt_h/2"/>
+                                          </p:val>
+                                        </p:tav>
+                                        <p:tav tm="100000">
+                                          <p:val>
+                                            <p:strVal val="#ppt_y"/>
+                                          </p:val>
+                                        </p:tav>
+                                      </p:tavLst>
+                                    </p:anim>
+                                  </p:childTnLst>
+                                </p:cTn>
+                              </p:par>
+                              <p:par>
+                                <p:cTn id="126" presetID="2" presetClass="entr" presetSubtype="4" decel="100000" fill="hold" grpId="0" nodeType="withEffect">
+                                  <p:stCondLst>
+                                    <p:cond delay="0"/>
+                                  </p:stCondLst>
+                                  <p:childTnLst>
+                                    <p:set>
+                                      <p:cBhvr>
+                                        <p:cTn id="127" dur="1" fill="hold">
+                                          <p:stCondLst>
+                                            <p:cond delay="0"/>
+                                          </p:stCondLst>
+                                        </p:cTn>
+                                        <p:tgtEl>
+                                          <p:spTgt spid="20">
+                                            <p:txEl>
+                                              <p:pRg st="1" end="1"/>
+                                            </p:txEl>
+                                          </p:spTgt>
+                                        </p:tgtEl>
+                                        <p:attrNameLst>
+                                          <p:attrName>style.visibility</p:attrName>
+                                        </p:attrNameLst>
+                                      </p:cBhvr>
+                                      <p:to>
+                                        <p:strVal val="visible"/>
+                                      </p:to>
+                                    </p:set>
+                                    <p:anim calcmode="lin" valueType="num">
+                                      <p:cBhvr additive="base">
+                                        <p:cTn id="128" dur="800" fill="hold"/>
+                                        <p:tgtEl>
+                                          <p:spTgt spid="20">
+                                            <p:txEl>
+                                              <p:pRg st="1" end="1"/>
+                                            </p:txEl>
+                                          </p:spTgt>
+                                        </p:tgtEl>
+                                        <p:attrNameLst>
+                                          <p:attrName>ppt_x</p:attrName>
+                                        </p:attrNameLst>
+                                      </p:cBhvr>
+                                      <p:tavLst>
+                                        <p:tav tm="0">
+                                          <p:val>
+                                            <p:strVal val="#ppt_x"/>
+                                          </p:val>
+                                        </p:tav>
+                                        <p:tav tm="100000">
+                                          <p:val>
+                                            <p:strVal val="#ppt_x"/>
+                                          </p:val>
+                                        </p:tav>
+                                      </p:tavLst>
+                                    </p:anim>
+                                    <p:anim calcmode="lin" valueType="num">
+                                      <p:cBhvr additive="base">
+                                        <p:cTn id="129" dur="800" fill="hold"/>
+                                        <p:tgtEl>
+                                          <p:spTgt spid="20">
+                                            <p:txEl>
+                                              <p:pRg st="1" end="1"/>
+                                            </p:txEl>
+                                          </p:spTgt>
+                                        </p:tgtEl>
+                                        <p:attrNameLst>
+                                          <p:attrName>ppt_y</p:attrName>
+                                        </p:attrNameLst>
+                                      </p:cBhvr>
+                                      <p:tavLst>
+                                        <p:tav tm="0">
+                                          <p:val>
+                                            <p:strVal val="1+#ppt_h/2"/>
+                                          </p:val>
+                                        </p:tav>
+                                        <p:tav tm="100000">
+                                          <p:val>
+                                            <p:strVal val="#ppt_y"/>
+                                          </p:val>
+                                        </p:tav>
+                                      </p:tavLst>
+                                    </p:anim>
+                                  </p:childTnLst>
+                                </p:cTn>
+                              </p:par>
+                            </p:childTnLst>
+                          </p:cTn>
+                        </p:par>
+                        <p:par>
+                          <p:cTn id="130" fill="hold">
+                            <p:stCondLst>
+                              <p:cond delay="800"/>
+                            </p:stCondLst>
+                            <p:childTnLst>
+                              <p:par>
+                                <p:cTn id="131" presetID="10" presetClass="entr" presetSubtype="0" fill="hold" nodeType="afterEffect">
+                                  <p:stCondLst>
+                                    <p:cond delay="0"/>
+                                  </p:stCondLst>
+                                  <p:childTnLst>
+                                    <p:set>
+                                      <p:cBhvr>
+                                        <p:cTn id="132" dur="1" fill="hold">
+                                          <p:stCondLst>
+                                            <p:cond delay="0"/>
+                                          </p:stCondLst>
+                                        </p:cTn>
+                                        <p:tgtEl>
+                                          <p:spTgt spid="21"/>
+                                        </p:tgtEl>
+                                        <p:attrNameLst>
+                                          <p:attrName>style.visibility</p:attrName>
+                                        </p:attrNameLst>
+                                      </p:cBhvr>
+                                      <p:to>
+                                        <p:strVal val="visible"/>
+                                      </p:to>
+                                    </p:set>
+                                    <p:animEffect transition="in" filter="fade">
+                                      <p:cBhvr>
+                                        <p:cTn id="133" dur="500"/>
+                                        <p:tgtEl>
+                                          <p:spTgt spid="21"/>
+                                        </p:tgtEl>
+                                      </p:cBhvr>
+                                    </p:animEffect>
+                                  </p:childTnLst>
+                                </p:cTn>
+                              </p:par>
+                            </p:childTnLst>
+                          </p:cTn>
+                        </p:par>
+                      </p:childTnLst>
+                    </p:cTn>
+                  </p:par>
+                  <p:par>
+                    <p:cTn id="134" fill="hold">
+                      <p:stCondLst>
+                        <p:cond delay="indefinite"/>
+                      </p:stCondLst>
+                      <p:childTnLst>
+                        <p:par>
+                          <p:cTn id="135" fill="hold">
+                            <p:stCondLst>
+                              <p:cond delay="0"/>
+                            </p:stCondLst>
+                            <p:childTnLst>
+                              <p:par>
+                                <p:cTn id="136" presetID="10" presetClass="exit" presetSubtype="0" fill="hold" grpId="1" nodeType="clickEffect">
                                   <p:stCondLst>
                                     <p:cond delay="0"/>
                                   </p:stCondLst>
                                   <p:childTnLst>
                                     <p:animEffect transition="out" filter="fade">
                                       <p:cBhvr>
-                                        <p:cTn id="126" dur="500"/>
+                                        <p:cTn id="137" dur="500"/>
                                         <p:tgtEl>
                                           <p:spTgt spid="22">
                                             <p:txEl>
@@ -29296,7 +29780,7 @@
                                     </p:animEffect>
                                     <p:set>
                                       <p:cBhvr>
-                                        <p:cTn id="127" dur="1" fill="hold">
+                                        <p:cTn id="138" dur="1" fill="hold">
                                           <p:stCondLst>
                                             <p:cond delay="499"/>
                                           </p:stCondLst>
@@ -29320,14 +29804,14 @@
                                 </p:cTn>
                               </p:par>
                               <p:par>
-                                <p:cTn id="128" presetID="10" presetClass="exit" presetSubtype="0" fill="hold" grpId="1" nodeType="withEffect">
+                                <p:cTn id="139" presetID="10" presetClass="exit" presetSubtype="0" fill="hold" grpId="1" nodeType="withEffect">
                                   <p:stCondLst>
                                     <p:cond delay="0"/>
                                   </p:stCondLst>
                                   <p:childTnLst>
                                     <p:animEffect transition="out" filter="fade">
                                       <p:cBhvr>
-                                        <p:cTn id="129" dur="500"/>
+                                        <p:cTn id="140" dur="500"/>
                                         <p:tgtEl>
                                           <p:spTgt spid="22">
                                             <p:txEl>
@@ -29339,7 +29823,7 @@
                                     </p:animEffect>
                                     <p:set>
                                       <p:cBhvr>
-                                        <p:cTn id="130" dur="1" fill="hold">
+                                        <p:cTn id="141" dur="1" fill="hold">
                                           <p:stCondLst>
                                             <p:cond delay="499"/>
                                           </p:stCondLst>
@@ -29363,14 +29847,14 @@
                                 </p:cTn>
                               </p:par>
                               <p:par>
-                                <p:cTn id="131" presetID="10" presetClass="exit" presetSubtype="0" fill="hold" grpId="1" nodeType="withEffect">
+                                <p:cTn id="142" presetID="10" presetClass="exit" presetSubtype="0" fill="hold" grpId="1" nodeType="withEffect">
                                   <p:stCondLst>
                                     <p:cond delay="0"/>
                                   </p:stCondLst>
                                   <p:childTnLst>
                                     <p:animEffect transition="out" filter="fade">
                                       <p:cBhvr>
-                                        <p:cTn id="132" dur="500"/>
+                                        <p:cTn id="143" dur="500"/>
                                         <p:tgtEl>
                                           <p:spTgt spid="22">
                                             <p:txEl>
@@ -29382,7 +29866,7 @@
                                     </p:animEffect>
                                     <p:set>
                                       <p:cBhvr>
-                                        <p:cTn id="133" dur="1" fill="hold">
+                                        <p:cTn id="144" dur="1" fill="hold">
                                           <p:stCondLst>
                                             <p:cond delay="499"/>
                                           </p:stCondLst>
@@ -29406,14 +29890,14 @@
                                 </p:cTn>
                               </p:par>
                               <p:par>
-                                <p:cTn id="134" presetID="10" presetClass="exit" presetSubtype="0" fill="hold" grpId="1" nodeType="withEffect">
+                                <p:cTn id="145" presetID="10" presetClass="exit" presetSubtype="0" fill="hold" grpId="1" nodeType="withEffect">
                                   <p:stCondLst>
                                     <p:cond delay="0"/>
                                   </p:stCondLst>
                                   <p:childTnLst>
                                     <p:animEffect transition="out" filter="fade">
                                       <p:cBhvr>
-                                        <p:cTn id="135" dur="500"/>
+                                        <p:cTn id="146" dur="500"/>
                                         <p:tgtEl>
                                           <p:spTgt spid="23">
                                             <p:txEl>
@@ -29425,7 +29909,7 @@
                                     </p:animEffect>
                                     <p:set>
                                       <p:cBhvr>
-                                        <p:cTn id="136" dur="1" fill="hold">
+                                        <p:cTn id="147" dur="1" fill="hold">
                                           <p:stCondLst>
                                             <p:cond delay="499"/>
                                           </p:stCondLst>
@@ -29449,14 +29933,14 @@
                                 </p:cTn>
                               </p:par>
                               <p:par>
-                                <p:cTn id="137" presetID="10" presetClass="exit" presetSubtype="0" fill="hold" grpId="1" nodeType="withEffect">
+                                <p:cTn id="148" presetID="10" presetClass="exit" presetSubtype="0" fill="hold" grpId="1" nodeType="withEffect">
                                   <p:stCondLst>
                                     <p:cond delay="0"/>
                                   </p:stCondLst>
                                   <p:childTnLst>
                                     <p:animEffect transition="out" filter="fade">
                                       <p:cBhvr>
-                                        <p:cTn id="138" dur="500"/>
+                                        <p:cTn id="149" dur="500"/>
                                         <p:tgtEl>
                                           <p:spTgt spid="23">
                                             <p:txEl>
@@ -29468,7 +29952,7 @@
                                     </p:animEffect>
                                     <p:set>
                                       <p:cBhvr>
-                                        <p:cTn id="139" dur="1" fill="hold">
+                                        <p:cTn id="150" dur="1" fill="hold">
                                           <p:stCondLst>
                                             <p:cond delay="499"/>
                                           </p:stCondLst>
@@ -29492,14 +29976,14 @@
                                 </p:cTn>
                               </p:par>
                               <p:par>
-                                <p:cTn id="140" presetID="10" presetClass="exit" presetSubtype="0" fill="hold" grpId="1" nodeType="withEffect">
+                                <p:cTn id="151" presetID="10" presetClass="exit" presetSubtype="0" fill="hold" grpId="1" nodeType="withEffect">
                                   <p:stCondLst>
                                     <p:cond delay="0"/>
                                   </p:stCondLst>
                                   <p:childTnLst>
                                     <p:animEffect transition="out" filter="fade">
                                       <p:cBhvr>
-                                        <p:cTn id="141" dur="500"/>
+                                        <p:cTn id="152" dur="500"/>
                                         <p:tgtEl>
                                           <p:spTgt spid="23">
                                             <p:txEl>
@@ -29511,7 +29995,7 @@
                                     </p:animEffect>
                                     <p:set>
                                       <p:cBhvr>
-                                        <p:cTn id="142" dur="1" fill="hold">
+                                        <p:cTn id="153" dur="1" fill="hold">
                                           <p:stCondLst>
                                             <p:cond delay="499"/>
                                           </p:stCondLst>
@@ -29535,14 +30019,14 @@
                                 </p:cTn>
                               </p:par>
                               <p:par>
-                                <p:cTn id="143" presetID="10" presetClass="exit" presetSubtype="0" fill="hold" grpId="1" nodeType="withEffect">
+                                <p:cTn id="154" presetID="10" presetClass="exit" presetSubtype="0" fill="hold" grpId="1" nodeType="withEffect">
                                   <p:stCondLst>
                                     <p:cond delay="0"/>
                                   </p:stCondLst>
                                   <p:childTnLst>
                                     <p:animEffect transition="out" filter="fade">
                                       <p:cBhvr>
-                                        <p:cTn id="144" dur="500"/>
+                                        <p:cTn id="155" dur="500"/>
                                         <p:tgtEl>
                                           <p:spTgt spid="25"/>
                                         </p:tgtEl>
@@ -29550,7 +30034,7 @@
                                     </p:animEffect>
                                     <p:set>
                                       <p:cBhvr>
-                                        <p:cTn id="145" dur="1" fill="hold">
+                                        <p:cTn id="156" dur="1" fill="hold">
                                           <p:stCondLst>
                                             <p:cond delay="499"/>
                                           </p:stCondLst>
@@ -29570,14 +30054,170 @@
                                 </p:cTn>
                               </p:par>
                               <p:par>
-                                <p:cTn id="146" presetID="10" presetClass="entr" presetSubtype="0" fill="hold" grpId="0" nodeType="withEffect">
+                                <p:cTn id="157" presetID="10" presetClass="exit" presetSubtype="0" fill="hold" grpId="1" nodeType="withEffect">
+                                  <p:stCondLst>
+                                    <p:cond delay="0"/>
+                                  </p:stCondLst>
+                                  <p:childTnLst>
+                                    <p:animEffect transition="out" filter="fade">
+                                      <p:cBhvr>
+                                        <p:cTn id="158" dur="500"/>
+                                        <p:tgtEl>
+                                          <p:spTgt spid="20">
+                                            <p:txEl>
+                                              <p:pRg st="0" end="0"/>
+                                            </p:txEl>
+                                          </p:spTgt>
+                                        </p:tgtEl>
+                                      </p:cBhvr>
+                                    </p:animEffect>
+                                    <p:set>
+                                      <p:cBhvr>
+                                        <p:cTn id="159" dur="1" fill="hold">
+                                          <p:stCondLst>
+                                            <p:cond delay="499"/>
+                                          </p:stCondLst>
+                                        </p:cTn>
+                                        <p:tgtEl>
+                                          <p:spTgt spid="20">
+                                            <p:txEl>
+                                              <p:pRg st="0" end="0"/>
+                                            </p:txEl>
+                                          </p:spTgt>
+                                        </p:tgtEl>
+                                        <p:attrNameLst>
+                                          <p:attrName>style.visibility</p:attrName>
+                                        </p:attrNameLst>
+                                      </p:cBhvr>
+                                      <p:to>
+                                        <p:strVal val="hidden"/>
+                                      </p:to>
+                                    </p:set>
+                                  </p:childTnLst>
+                                </p:cTn>
+                              </p:par>
+                              <p:par>
+                                <p:cTn id="160" presetID="10" presetClass="exit" presetSubtype="0" fill="hold" grpId="1" nodeType="withEffect">
+                                  <p:stCondLst>
+                                    <p:cond delay="0"/>
+                                  </p:stCondLst>
+                                  <p:childTnLst>
+                                    <p:animEffect transition="out" filter="fade">
+                                      <p:cBhvr>
+                                        <p:cTn id="161" dur="500"/>
+                                        <p:tgtEl>
+                                          <p:spTgt spid="20">
+                                            <p:txEl>
+                                              <p:pRg st="1" end="1"/>
+                                            </p:txEl>
+                                          </p:spTgt>
+                                        </p:tgtEl>
+                                      </p:cBhvr>
+                                    </p:animEffect>
+                                    <p:set>
+                                      <p:cBhvr>
+                                        <p:cTn id="162" dur="1" fill="hold">
+                                          <p:stCondLst>
+                                            <p:cond delay="499"/>
+                                          </p:stCondLst>
+                                        </p:cTn>
+                                        <p:tgtEl>
+                                          <p:spTgt spid="20">
+                                            <p:txEl>
+                                              <p:pRg st="1" end="1"/>
+                                            </p:txEl>
+                                          </p:spTgt>
+                                        </p:tgtEl>
+                                        <p:attrNameLst>
+                                          <p:attrName>style.visibility</p:attrName>
+                                        </p:attrNameLst>
+                                      </p:cBhvr>
+                                      <p:to>
+                                        <p:strVal val="hidden"/>
+                                      </p:to>
+                                    </p:set>
+                                  </p:childTnLst>
+                                </p:cTn>
+                              </p:par>
+                              <p:par>
+                                <p:cTn id="163" presetID="10" presetClass="exit" presetSubtype="0" fill="hold" nodeType="withEffect">
+                                  <p:stCondLst>
+                                    <p:cond delay="0"/>
+                                  </p:stCondLst>
+                                  <p:childTnLst>
+                                    <p:animEffect transition="out" filter="fade">
+                                      <p:cBhvr>
+                                        <p:cTn id="164" dur="500"/>
+                                        <p:tgtEl>
+                                          <p:spTgt spid="21"/>
+                                        </p:tgtEl>
+                                      </p:cBhvr>
+                                    </p:animEffect>
+                                    <p:set>
+                                      <p:cBhvr>
+                                        <p:cTn id="165" dur="1" fill="hold">
+                                          <p:stCondLst>
+                                            <p:cond delay="499"/>
+                                          </p:stCondLst>
+                                        </p:cTn>
+                                        <p:tgtEl>
+                                          <p:spTgt spid="21"/>
+                                        </p:tgtEl>
+                                        <p:attrNameLst>
+                                          <p:attrName>style.visibility</p:attrName>
+                                        </p:attrNameLst>
+                                      </p:cBhvr>
+                                      <p:to>
+                                        <p:strVal val="hidden"/>
+                                      </p:to>
+                                    </p:set>
+                                  </p:childTnLst>
+                                </p:cTn>
+                              </p:par>
+                              <p:par>
+                                <p:cTn id="166" presetID="10" presetClass="exit" presetSubtype="0" fill="hold" grpId="2" nodeType="withEffect">
+                                  <p:stCondLst>
+                                    <p:cond delay="0"/>
+                                  </p:stCondLst>
+                                  <p:childTnLst>
+                                    <p:animEffect transition="out" filter="fade">
+                                      <p:cBhvr>
+                                        <p:cTn id="167" dur="500"/>
+                                        <p:tgtEl>
+                                          <p:spTgt spid="15"/>
+                                        </p:tgtEl>
+                                      </p:cBhvr>
+                                    </p:animEffect>
+                                    <p:set>
+                                      <p:cBhvr>
+                                        <p:cTn id="168" dur="1" fill="hold">
+                                          <p:stCondLst>
+                                            <p:cond delay="499"/>
+                                          </p:stCondLst>
+                                        </p:cTn>
+                                        <p:tgtEl>
+                                          <p:spTgt spid="15"/>
+                                        </p:tgtEl>
+                                        <p:attrNameLst>
+                                          <p:attrName>style.visibility</p:attrName>
+                                        </p:attrNameLst>
+                                      </p:cBhvr>
+                                      <p:to>
+                                        <p:strVal val="hidden"/>
+                                      </p:to>
+                                    </p:set>
+                                  </p:childTnLst>
+                                </p:cTn>
+                              </p:par>
+                              <p:par>
+                                <p:cTn id="169" presetID="10" presetClass="entr" presetSubtype="0" fill="hold" grpId="0" nodeType="withEffect">
                                   <p:stCondLst>
                                     <p:cond delay="0"/>
                                   </p:stCondLst>
                                   <p:childTnLst>
                                     <p:set>
                                       <p:cBhvr>
-                                        <p:cTn id="147" dur="1" fill="hold">
+                                        <p:cTn id="170" dur="1" fill="hold">
                                           <p:stCondLst>
                                             <p:cond delay="0"/>
                                           </p:stCondLst>
@@ -29595,7 +30235,7 @@
                                     </p:set>
                                     <p:animEffect transition="in" filter="fade">
                                       <p:cBhvr>
-                                        <p:cTn id="148" dur="500"/>
+                                        <p:cTn id="171" dur="500"/>
                                         <p:tgtEl>
                                           <p:spTgt spid="26"/>
                                         </p:tgtEl>
@@ -29605,14 +30245,14 @@
                                 </p:cTn>
                               </p:par>
                               <p:par>
-                                <p:cTn id="149" presetID="10" presetClass="entr" presetSubtype="0" fill="hold" grpId="2" nodeType="withEffect">
+                                <p:cTn id="172" presetID="10" presetClass="entr" presetSubtype="0" fill="hold" grpId="2" nodeType="withEffect">
                                   <p:stCondLst>
                                     <p:cond delay="0"/>
                                   </p:stCondLst>
                                   <p:childTnLst>
                                     <p:set>
                                       <p:cBhvr>
-                                        <p:cTn id="150" dur="1" fill="hold">
+                                        <p:cTn id="173" dur="1" fill="hold">
                                           <p:stCondLst>
                                             <p:cond delay="0"/>
                                           </p:stCondLst>
@@ -29630,7 +30270,7 @@
                                     </p:set>
                                     <p:animEffect transition="in" filter="fade">
                                       <p:cBhvr>
-                                        <p:cTn id="151" dur="500"/>
+                                        <p:cTn id="174" dur="500"/>
                                         <p:tgtEl>
                                           <p:spTgt spid="26"/>
                                         </p:tgtEl>
@@ -29646,26 +30286,26 @@
                     </p:cTn>
                   </p:par>
                   <p:par>
-                    <p:cTn id="152" fill="hold">
+                    <p:cTn id="175" fill="hold">
                       <p:stCondLst>
                         <p:cond delay="indefinite"/>
                       </p:stCondLst>
                       <p:childTnLst>
                         <p:par>
-                          <p:cTn id="153" fill="hold">
+                          <p:cTn id="176" fill="hold">
                             <p:stCondLst>
                               <p:cond delay="0"/>
                             </p:stCondLst>
                             <p:childTnLst>
                               <p:par>
-                                <p:cTn id="154" presetID="2" presetClass="entr" presetSubtype="4" decel="100000" fill="hold" grpId="0" nodeType="clickEffect">
+                                <p:cTn id="177" presetID="2" presetClass="entr" presetSubtype="4" decel="100000" fill="hold" grpId="0" nodeType="clickEffect">
                                   <p:stCondLst>
                                     <p:cond delay="0"/>
                                   </p:stCondLst>
                                   <p:childTnLst>
                                     <p:set>
                                       <p:cBhvr>
-                                        <p:cTn id="155" dur="1" fill="hold">
+                                        <p:cTn id="178" dur="1" fill="hold">
                                           <p:stCondLst>
                                             <p:cond delay="0"/>
                                           </p:stCondLst>
@@ -29687,7 +30327,7 @@
                                     </p:set>
                                     <p:anim calcmode="lin" valueType="num">
                                       <p:cBhvr additive="base">
-                                        <p:cTn id="156" dur="800" fill="hold"/>
+                                        <p:cTn id="179" dur="800" fill="hold"/>
                                         <p:tgtEl>
                                           <p:spTgt spid="28">
                                             <p:txEl>
@@ -29714,7 +30354,7 @@
                                     </p:anim>
                                     <p:anim calcmode="lin" valueType="num">
                                       <p:cBhvr additive="base">
-                                        <p:cTn id="157" dur="800" fill="hold"/>
+                                        <p:cTn id="180" dur="800" fill="hold"/>
                                         <p:tgtEl>
                                           <p:spTgt spid="28">
                                             <p:txEl>
@@ -29743,14 +30383,14 @@
                                 </p:cTn>
                               </p:par>
                               <p:par>
-                                <p:cTn id="158" presetID="2" presetClass="entr" presetSubtype="4" decel="100000" fill="hold" grpId="0" nodeType="withEffect">
+                                <p:cTn id="181" presetID="2" presetClass="entr" presetSubtype="4" decel="100000" fill="hold" grpId="0" nodeType="withEffect">
                                   <p:stCondLst>
                                     <p:cond delay="0"/>
                                   </p:stCondLst>
                                   <p:childTnLst>
                                     <p:set>
                                       <p:cBhvr>
-                                        <p:cTn id="159" dur="1" fill="hold">
+                                        <p:cTn id="182" dur="1" fill="hold">
                                           <p:stCondLst>
                                             <p:cond delay="0"/>
                                           </p:stCondLst>
@@ -29772,7 +30412,7 @@
                                     </p:set>
                                     <p:anim calcmode="lin" valueType="num">
                                       <p:cBhvr additive="base">
-                                        <p:cTn id="160" dur="800" fill="hold"/>
+                                        <p:cTn id="183" dur="800" fill="hold"/>
                                         <p:tgtEl>
                                           <p:spTgt spid="28">
                                             <p:txEl>
@@ -29799,7 +30439,7 @@
                                     </p:anim>
                                     <p:anim calcmode="lin" valueType="num">
                                       <p:cBhvr additive="base">
-                                        <p:cTn id="161" dur="800" fill="hold"/>
+                                        <p:cTn id="184" dur="800" fill="hold"/>
                                         <p:tgtEl>
                                           <p:spTgt spid="28">
                                             <p:txEl>
@@ -29828,14 +30468,14 @@
                                 </p:cTn>
                               </p:par>
                               <p:par>
-                                <p:cTn id="162" presetID="2" presetClass="entr" presetSubtype="4" decel="100000" fill="hold" grpId="0" nodeType="withEffect">
+                                <p:cTn id="185" presetID="2" presetClass="entr" presetSubtype="4" decel="100000" fill="hold" grpId="0" nodeType="withEffect">
                                   <p:stCondLst>
                                     <p:cond delay="0"/>
                                   </p:stCondLst>
                                   <p:childTnLst>
                                     <p:set>
                                       <p:cBhvr>
-                                        <p:cTn id="163" dur="1" fill="hold">
+                                        <p:cTn id="186" dur="1" fill="hold">
                                           <p:stCondLst>
                                             <p:cond delay="0"/>
                                           </p:stCondLst>
@@ -29857,7 +30497,7 @@
                                     </p:set>
                                     <p:anim calcmode="lin" valueType="num">
                                       <p:cBhvr additive="base">
-                                        <p:cTn id="164" dur="800" fill="hold"/>
+                                        <p:cTn id="187" dur="800" fill="hold"/>
                                         <p:tgtEl>
                                           <p:spTgt spid="28">
                                             <p:txEl>
@@ -29884,7 +30524,7 @@
                                     </p:anim>
                                     <p:anim calcmode="lin" valueType="num">
                                       <p:cBhvr additive="base">
-                                        <p:cTn id="165" dur="800" fill="hold"/>
+                                        <p:cTn id="188" dur="800" fill="hold"/>
                                         <p:tgtEl>
                                           <p:spTgt spid="28">
                                             <p:txEl>
@@ -29913,14 +30553,14 @@
                                 </p:cTn>
                               </p:par>
                               <p:par>
-                                <p:cTn id="166" presetID="2" presetClass="entr" presetSubtype="4" decel="100000" fill="hold" grpId="0" nodeType="withEffect">
+                                <p:cTn id="189" presetID="2" presetClass="entr" presetSubtype="4" decel="100000" fill="hold" grpId="0" nodeType="withEffect">
                                   <p:stCondLst>
                                     <p:cond delay="0"/>
                                   </p:stCondLst>
                                   <p:childTnLst>
                                     <p:set>
                                       <p:cBhvr>
-                                        <p:cTn id="167" dur="1" fill="hold">
+                                        <p:cTn id="190" dur="1" fill="hold">
                                           <p:stCondLst>
                                             <p:cond delay="0"/>
                                           </p:stCondLst>
@@ -29942,7 +30582,7 @@
                                     </p:set>
                                     <p:anim calcmode="lin" valueType="num">
                                       <p:cBhvr additive="base">
-                                        <p:cTn id="168" dur="800" fill="hold"/>
+                                        <p:cTn id="191" dur="800" fill="hold"/>
                                         <p:tgtEl>
                                           <p:spTgt spid="28">
                                             <p:txEl>
@@ -29969,7 +30609,7 @@
                                     </p:anim>
                                     <p:anim calcmode="lin" valueType="num">
                                       <p:cBhvr additive="base">
-                                        <p:cTn id="169" dur="800" fill="hold"/>
+                                        <p:cTn id="192" dur="800" fill="hold"/>
                                         <p:tgtEl>
                                           <p:spTgt spid="28">
                                             <p:txEl>
@@ -30004,26 +30644,26 @@
                     </p:cTn>
                   </p:par>
                   <p:par>
-                    <p:cTn id="170" fill="hold">
+                    <p:cTn id="193" fill="hold">
                       <p:stCondLst>
                         <p:cond delay="indefinite"/>
                       </p:stCondLst>
                       <p:childTnLst>
                         <p:par>
-                          <p:cTn id="171" fill="hold">
+                          <p:cTn id="194" fill="hold">
                             <p:stCondLst>
                               <p:cond delay="0"/>
                             </p:stCondLst>
                             <p:childTnLst>
                               <p:par>
-                                <p:cTn id="172" presetID="2" presetClass="entr" presetSubtype="4" decel="100000" fill="hold" grpId="0" nodeType="clickEffect">
+                                <p:cTn id="195" presetID="2" presetClass="entr" presetSubtype="4" decel="100000" fill="hold" grpId="0" nodeType="clickEffect">
                                   <p:stCondLst>
                                     <p:cond delay="0"/>
                                   </p:stCondLst>
                                   <p:childTnLst>
                                     <p:set>
                                       <p:cBhvr>
-                                        <p:cTn id="173" dur="1" fill="hold">
+                                        <p:cTn id="196" dur="1" fill="hold">
                                           <p:stCondLst>
                                             <p:cond delay="0"/>
                                           </p:stCondLst>
@@ -30045,7 +30685,7 @@
                                     </p:set>
                                     <p:anim calcmode="lin" valueType="num">
                                       <p:cBhvr additive="base">
-                                        <p:cTn id="174" dur="800" fill="hold"/>
+                                        <p:cTn id="197" dur="800" fill="hold"/>
                                         <p:tgtEl>
                                           <p:spTgt spid="29">
                                             <p:txEl>
@@ -30072,7 +30712,7 @@
                                     </p:anim>
                                     <p:anim calcmode="lin" valueType="num">
                                       <p:cBhvr additive="base">
-                                        <p:cTn id="175" dur="800" fill="hold"/>
+                                        <p:cTn id="198" dur="800" fill="hold"/>
                                         <p:tgtEl>
                                           <p:spTgt spid="29">
                                             <p:txEl>
@@ -30101,14 +30741,14 @@
                                 </p:cTn>
                               </p:par>
                               <p:par>
-                                <p:cTn id="176" presetID="2" presetClass="entr" presetSubtype="4" decel="100000" fill="hold" grpId="0" nodeType="withEffect">
+                                <p:cTn id="199" presetID="2" presetClass="entr" presetSubtype="4" decel="100000" fill="hold" grpId="0" nodeType="withEffect">
                                   <p:stCondLst>
                                     <p:cond delay="0"/>
                                   </p:stCondLst>
                                   <p:childTnLst>
                                     <p:set>
                                       <p:cBhvr>
-                                        <p:cTn id="177" dur="1" fill="hold">
+                                        <p:cTn id="200" dur="1" fill="hold">
                                           <p:stCondLst>
                                             <p:cond delay="0"/>
                                           </p:stCondLst>
@@ -30130,7 +30770,7 @@
                                     </p:set>
                                     <p:anim calcmode="lin" valueType="num">
                                       <p:cBhvr additive="base">
-                                        <p:cTn id="178" dur="800" fill="hold"/>
+                                        <p:cTn id="201" dur="800" fill="hold"/>
                                         <p:tgtEl>
                                           <p:spTgt spid="29">
                                             <p:txEl>
@@ -30157,7 +30797,7 @@
                                     </p:anim>
                                     <p:anim calcmode="lin" valueType="num">
                                       <p:cBhvr additive="base">
-                                        <p:cTn id="179" dur="800" fill="hold"/>
+                                        <p:cTn id="202" dur="800" fill="hold"/>
                                         <p:tgtEl>
                                           <p:spTgt spid="29">
                                             <p:txEl>
@@ -30186,14 +30826,14 @@
                                 </p:cTn>
                               </p:par>
                               <p:par>
-                                <p:cTn id="180" presetID="2" presetClass="entr" presetSubtype="4" decel="100000" fill="hold" grpId="0" nodeType="withEffect">
+                                <p:cTn id="203" presetID="2" presetClass="entr" presetSubtype="4" decel="100000" fill="hold" grpId="0" nodeType="withEffect">
                                   <p:stCondLst>
                                     <p:cond delay="0"/>
                                   </p:stCondLst>
                                   <p:childTnLst>
                                     <p:set>
                                       <p:cBhvr>
-                                        <p:cTn id="181" dur="1" fill="hold">
+                                        <p:cTn id="204" dur="1" fill="hold">
                                           <p:stCondLst>
                                             <p:cond delay="0"/>
                                           </p:stCondLst>
@@ -30215,7 +30855,7 @@
                                     </p:set>
                                     <p:anim calcmode="lin" valueType="num">
                                       <p:cBhvr additive="base">
-                                        <p:cTn id="182" dur="800" fill="hold"/>
+                                        <p:cTn id="205" dur="800" fill="hold"/>
                                         <p:tgtEl>
                                           <p:spTgt spid="29">
                                             <p:txEl>
@@ -30242,7 +30882,7 @@
                                     </p:anim>
                                     <p:anim calcmode="lin" valueType="num">
                                       <p:cBhvr additive="base">
-                                        <p:cTn id="183" dur="800" fill="hold"/>
+                                        <p:cTn id="206" dur="800" fill="hold"/>
                                         <p:tgtEl>
                                           <p:spTgt spid="29">
                                             <p:txEl>
@@ -30322,6 +30962,8 @@
       <p:bldP spid="26" grpId="2"/>
       <p:bldP spid="28" grpId="0" uiExpand="1" build="p"/>
       <p:bldP spid="29" grpId="0" uiExpand="1" build="p"/>
+      <p:bldP spid="20" grpId="0" uiExpand="1" build="p"/>
+      <p:bldP spid="20" grpId="1" uiExpand="1" build="p"/>
     </p:bldLst>
   </p:timing>
 </p:sld>
@@ -30560,7 +31202,7 @@
         <p:spPr>
           <a:xfrm>
             <a:off x="4898612" y="3493674"/>
-            <a:ext cx="2377440" cy="829971"/>
+            <a:ext cx="2377440" cy="397032"/>
           </a:xfrm>
         </p:spPr>
         <p:txBody>
@@ -30569,11 +31211,8 @@
           <a:p>
             <a:r>
               <a:rPr lang="en-US" dirty="0"/>
-              <a:t>Java Swing</a:t>
-            </a:r>
-          </a:p>
-          <a:p>
-            <a:endParaRPr lang="en-US" dirty="0"/>
+              <a:t>Wireshark</a:t>
+            </a:r>
           </a:p>
         </p:txBody>
       </p:sp>
@@ -30734,41 +31373,6 @@
       </p:pic>
       <p:pic>
         <p:nvPicPr>
-          <p:cNvPr id="26" name="Content Placeholder 25">
-            <a:extLst>
-              <a:ext uri="{FF2B5EF4-FFF2-40B4-BE49-F238E27FC236}">
-                <a16:creationId xmlns:a16="http://schemas.microsoft.com/office/drawing/2014/main" id="{E976161C-8E6B-437D-ACAB-A59F6D3AEBB4}"/>
-              </a:ext>
-            </a:extLst>
-          </p:cNvPr>
-          <p:cNvPicPr>
-            <a:picLocks noGrp="1" noChangeAspect="1"/>
-          </p:cNvPicPr>
-          <p:nvPr>
-            <p:ph idx="20"/>
-          </p:nvPr>
-        </p:nvPicPr>
-        <p:blipFill>
-          <a:blip r:embed="rId4" cstate="screen">
-            <a:extLst>
-              <a:ext uri="{28A0092B-C50C-407E-A947-70E740481C1C}">
-                <a14:useLocalDpi xmlns:a14="http://schemas.microsoft.com/office/drawing/2010/main" val="0"/>
-              </a:ext>
-            </a:extLst>
-          </a:blip>
-          <a:stretch>
-            <a:fillRect/>
-          </a:stretch>
-        </p:blipFill>
-        <p:spPr>
-          <a:xfrm>
-            <a:off x="5527473" y="2472081"/>
-            <a:ext cx="1119717" cy="839788"/>
-          </a:xfrm>
-        </p:spPr>
-      </p:pic>
-      <p:pic>
-        <p:nvPicPr>
           <p:cNvPr id="53" name="Content Placeholder 52">
             <a:extLst>
               <a:ext uri="{FF2B5EF4-FFF2-40B4-BE49-F238E27FC236}">
@@ -30784,7 +31388,7 @@
           </p:nvPr>
         </p:nvPicPr>
         <p:blipFill>
-          <a:blip r:embed="rId5" cstate="screen">
+          <a:blip r:embed="rId4" cstate="screen">
             <a:extLst>
               <a:ext uri="{28A0092B-C50C-407E-A947-70E740481C1C}">
                 <a14:useLocalDpi xmlns:a14="http://schemas.microsoft.com/office/drawing/2010/main" val="0"/>
@@ -30822,7 +31426,7 @@
           </p:nvPr>
         </p:nvPicPr>
         <p:blipFill>
-          <a:blip r:embed="rId6" cstate="screen">
+          <a:blip r:embed="rId5" cstate="screen">
             <a:extLst>
               <a:ext uri="{28A0092B-C50C-407E-A947-70E740481C1C}">
                 <a14:useLocalDpi xmlns:a14="http://schemas.microsoft.com/office/drawing/2010/main" val="0"/>
@@ -30841,6 +31445,41 @@
           <a:prstGeom prst="rect">
             <a:avLst/>
           </a:prstGeom>
+        </p:spPr>
+      </p:pic>
+      <p:pic>
+        <p:nvPicPr>
+          <p:cNvPr id="15" name="Content Placeholder 14">
+            <a:extLst>
+              <a:ext uri="{FF2B5EF4-FFF2-40B4-BE49-F238E27FC236}">
+                <a16:creationId xmlns:a16="http://schemas.microsoft.com/office/drawing/2014/main" id="{E0040036-0F5C-4174-9FF7-66F4C1DE4973}"/>
+              </a:ext>
+            </a:extLst>
+          </p:cNvPr>
+          <p:cNvPicPr>
+            <a:picLocks noGrp="1" noChangeAspect="1"/>
+          </p:cNvPicPr>
+          <p:nvPr>
+            <p:ph idx="20"/>
+          </p:nvPr>
+        </p:nvPicPr>
+        <p:blipFill>
+          <a:blip r:embed="rId6" cstate="screen">
+            <a:extLst>
+              <a:ext uri="{28A0092B-C50C-407E-A947-70E740481C1C}">
+                <a14:useLocalDpi xmlns:a14="http://schemas.microsoft.com/office/drawing/2010/main" val="0"/>
+              </a:ext>
+            </a:extLst>
+          </a:blip>
+          <a:stretch>
+            <a:fillRect/>
+          </a:stretch>
+        </p:blipFill>
+        <p:spPr>
+          <a:xfrm>
+            <a:off x="5667375" y="2503928"/>
+            <a:ext cx="839788" cy="839788"/>
+          </a:xfrm>
         </p:spPr>
       </p:pic>
     </p:spTree>

--- a/moonbase_presentation.pptx
+++ b/moonbase_presentation.pptx
@@ -257,7 +257,7 @@
           <a:p>
             <a:fld id="{7CCA049B-3A46-4BDA-A8F5-2925B00FE570}" type="datetimeFigureOut">
               <a:rPr lang="en-US" smtClean="0"/>
-              <a:t>11/29/2017</a:t>
+              <a:t>11/30/2017</a:t>
             </a:fld>
             <a:endParaRPr lang="en-US"/>
           </a:p>
@@ -422,7 +422,7 @@
           <a:p>
             <a:fld id="{44C46CEC-428A-4DD0-A7C7-21AF8DE33E93}" type="datetimeFigureOut">
               <a:rPr lang="en-US" smtClean="0"/>
-              <a:t>11/29/2017</a:t>
+              <a:t>11/30/2017</a:t>
             </a:fld>
             <a:endParaRPr lang="en-US"/>
           </a:p>
@@ -1185,7 +1185,7 @@
                 <a:tabLst/>
                 <a:defRPr/>
               </a:pPr>
-              <a:t>11/29/2017 9:23 PM</a:t>
+              <a:t>11/30/2017 3:11 AM</a:t>
             </a:fld>
             <a:endParaRPr kumimoji="0" lang="en-US" sz="1800" b="0" i="0" u="none" strike="noStrike" kern="0" cap="none" spc="0" normalizeH="0" baseline="0" noProof="0" dirty="0">
               <a:ln>
@@ -25365,8 +25365,12 @@
           <a:p>
             <a:pPr lvl="1"/>
             <a:r>
+              <a:rPr lang="en-US"/>
+              <a:t>eight </a:t>
+            </a:r>
+            <a:r>
               <a:rPr lang="en-US" dirty="0"/>
-              <a:t>seven topics from outside the curriculum</a:t>
+              <a:t>topics from outside the curriculum</a:t>
             </a:r>
           </a:p>
         </p:txBody>
